--- a/praesentatio/HYDRA.pptx
+++ b/praesentatio/HYDRA.pptx
@@ -6,15 +6,8 @@
   </p:sldMasterIdLst>
   <p:sldIdLst>
     <p:sldId id="257" r:id="rId2"/>
-    <p:sldId id="268" r:id="rId3"/>
-    <p:sldId id="269" r:id="rId4"/>
-    <p:sldId id="270" r:id="rId5"/>
-    <p:sldId id="273" r:id="rId6"/>
-    <p:sldId id="271" r:id="rId7"/>
-    <p:sldId id="272" r:id="rId8"/>
-    <p:sldId id="274" r:id="rId9"/>
-    <p:sldId id="275" r:id="rId10"/>
-    <p:sldId id="276" r:id="rId11"/>
+    <p:sldId id="275" r:id="rId3"/>
+    <p:sldId id="276" r:id="rId4"/>
   </p:sldIdLst>
   <p:sldSz cx="12192000" cy="6858000"/>
   <p:notesSz cx="6858000" cy="9144000"/>
@@ -3351,7 +3344,7 @@
         </p:nvPicPr>
         <p:blipFill>
           <a:blip r:embed="rId2">
-            <a:biLevel thresh="75000"/>
+            <a:grayscl/>
             <a:extLst>
               <a:ext uri="{28A0092B-C50C-407E-A947-70E740481C1C}">
                 <a14:useLocalDpi xmlns:a14="http://schemas.microsoft.com/office/drawing/2010/main" val="0"/>
@@ -3530,215 +3523,6 @@
 </p:sld>
 </file>
 
-<file path=ppt/slides/slide10.xml><?xml version="1.0" encoding="utf-8"?>
-<p:sld xmlns:a="http://schemas.openxmlformats.org/drawingml/2006/main" xmlns:r="http://schemas.openxmlformats.org/officeDocument/2006/relationships" xmlns:p="http://schemas.openxmlformats.org/presentationml/2006/main">
-  <p:cSld>
-    <p:spTree>
-      <p:nvGrpSpPr>
-        <p:cNvPr id="1" name=""/>
-        <p:cNvGrpSpPr/>
-        <p:nvPr/>
-      </p:nvGrpSpPr>
-      <p:grpSpPr>
-        <a:xfrm>
-          <a:off x="0" y="0"/>
-          <a:ext cx="0" cy="0"/>
-          <a:chOff x="0" y="0"/>
-          <a:chExt cx="0" cy="0"/>
-        </a:xfrm>
-      </p:grpSpPr>
-      <p:sp>
-        <p:nvSpPr>
-          <p:cNvPr id="4" name="Прямоугольник 3">
-            <a:extLst>
-              <a:ext uri="{FF2B5EF4-FFF2-40B4-BE49-F238E27FC236}">
-                <a16:creationId xmlns:a16="http://schemas.microsoft.com/office/drawing/2014/main" id="{D744DC60-29D7-4107-BF24-9CA85085F51D}"/>
-              </a:ext>
-            </a:extLst>
-          </p:cNvPr>
-          <p:cNvSpPr/>
-          <p:nvPr/>
-        </p:nvSpPr>
-        <p:spPr>
-          <a:xfrm>
-            <a:off x="226503" y="192947"/>
-            <a:ext cx="3675814" cy="646331"/>
-          </a:xfrm>
-          <a:prstGeom prst="rect">
-            <a:avLst/>
-          </a:prstGeom>
-        </p:spPr>
-        <p:txBody>
-          <a:bodyPr wrap="none">
-            <a:spAutoFit/>
-          </a:bodyPr>
-          <a:lstStyle/>
-          <a:p>
-            <a:r>
-              <a:rPr lang="ru-RU" sz="3600" b="1" dirty="0">
-                <a:solidFill>
-                  <a:srgbClr val="007B8D"/>
-                </a:solidFill>
-                <a:latin typeface="Montserrat" panose="00000500000000000000" pitchFamily="2" charset="-52"/>
-              </a:rPr>
-              <a:t>Было бы время…</a:t>
-            </a:r>
-          </a:p>
-        </p:txBody>
-      </p:sp>
-      <p:sp>
-        <p:nvSpPr>
-          <p:cNvPr id="2" name="TextBox 1">
-            <a:extLst>
-              <a:ext uri="{FF2B5EF4-FFF2-40B4-BE49-F238E27FC236}">
-                <a16:creationId xmlns:a16="http://schemas.microsoft.com/office/drawing/2014/main" id="{0103A899-6D10-49E9-8A51-97CA9380A77D}"/>
-              </a:ext>
-            </a:extLst>
-          </p:cNvPr>
-          <p:cNvSpPr txBox="1"/>
-          <p:nvPr/>
-        </p:nvSpPr>
-        <p:spPr>
-          <a:xfrm>
-            <a:off x="791029" y="1757260"/>
-            <a:ext cx="10609942" cy="1318181"/>
-          </a:xfrm>
-          <a:prstGeom prst="rect">
-            <a:avLst/>
-          </a:prstGeom>
-          <a:noFill/>
-        </p:spPr>
-        <p:txBody>
-          <a:bodyPr wrap="square" rtlCol="0">
-            <a:spAutoFit/>
-          </a:bodyPr>
-          <a:lstStyle/>
-          <a:p>
-            <a:pPr>
-              <a:lnSpc>
-                <a:spcPct val="150000"/>
-              </a:lnSpc>
-            </a:pPr>
-            <a:r>
-              <a:rPr lang="ru-RU" sz="2800" dirty="0">
-                <a:latin typeface="Montserrat" panose="00000500000000000000" pitchFamily="2" charset="-52"/>
-              </a:rPr>
-              <a:t>//текст о том что если было бы время, можно было бы решить все 4 таска на одном сайте и в </a:t>
-            </a:r>
-            <a:r>
-              <a:rPr lang="ru-RU" sz="2800">
-                <a:latin typeface="Montserrat" panose="00000500000000000000" pitchFamily="2" charset="-52"/>
-              </a:rPr>
-              <a:t>одном приложении  </a:t>
-            </a:r>
-            <a:endParaRPr lang="ru-RU" sz="2800" dirty="0">
-              <a:latin typeface="Montserrat" panose="00000500000000000000" pitchFamily="2" charset="-52"/>
-            </a:endParaRPr>
-          </a:p>
-        </p:txBody>
-      </p:sp>
-    </p:spTree>
-    <p:extLst>
-      <p:ext uri="{BB962C8B-B14F-4D97-AF65-F5344CB8AC3E}">
-        <p14:creationId xmlns:p14="http://schemas.microsoft.com/office/powerpoint/2010/main" val="2298706615"/>
-      </p:ext>
-    </p:extLst>
-  </p:cSld>
-  <p:clrMapOvr>
-    <a:masterClrMapping/>
-  </p:clrMapOvr>
-  <p:timing>
-    <p:tnLst>
-      <p:par>
-        <p:cTn id="1" dur="indefinite" restart="never" nodeType="tmRoot">
-          <p:childTnLst>
-            <p:seq concurrent="1" nextAc="seek">
-              <p:cTn id="2" dur="indefinite" nodeType="mainSeq">
-                <p:childTnLst>
-                  <p:par>
-                    <p:cTn id="3" fill="hold">
-                      <p:stCondLst>
-                        <p:cond delay="indefinite"/>
-                        <p:cond evt="onBegin" delay="0">
-                          <p:tn val="2"/>
-                        </p:cond>
-                      </p:stCondLst>
-                      <p:childTnLst>
-                        <p:par>
-                          <p:cTn id="4" fill="hold">
-                            <p:stCondLst>
-                              <p:cond delay="0"/>
-                            </p:stCondLst>
-                            <p:childTnLst>
-                              <p:par>
-                                <p:cTn id="5" presetID="10" presetClass="entr" presetSubtype="0" fill="hold" grpId="0" nodeType="afterEffect">
-                                  <p:stCondLst>
-                                    <p:cond delay="0"/>
-                                  </p:stCondLst>
-                                  <p:childTnLst>
-                                    <p:set>
-                                      <p:cBhvr>
-                                        <p:cTn id="6" dur="1" fill="hold">
-                                          <p:stCondLst>
-                                            <p:cond delay="0"/>
-                                          </p:stCondLst>
-                                        </p:cTn>
-                                        <p:tgtEl>
-                                          <p:spTgt spid="2"/>
-                                        </p:tgtEl>
-                                        <p:attrNameLst>
-                                          <p:attrName>style.visibility</p:attrName>
-                                        </p:attrNameLst>
-                                      </p:cBhvr>
-                                      <p:to>
-                                        <p:strVal val="visible"/>
-                                      </p:to>
-                                    </p:set>
-                                    <p:animEffect transition="in" filter="fade">
-                                      <p:cBhvr>
-                                        <p:cTn id="7" dur="1000"/>
-                                        <p:tgtEl>
-                                          <p:spTgt spid="2"/>
-                                        </p:tgtEl>
-                                      </p:cBhvr>
-                                    </p:animEffect>
-                                  </p:childTnLst>
-                                </p:cTn>
-                              </p:par>
-                            </p:childTnLst>
-                          </p:cTn>
-                        </p:par>
-                      </p:childTnLst>
-                    </p:cTn>
-                  </p:par>
-                </p:childTnLst>
-              </p:cTn>
-              <p:prevCondLst>
-                <p:cond evt="onPrev" delay="0">
-                  <p:tgtEl>
-                    <p:sldTgt/>
-                  </p:tgtEl>
-                </p:cond>
-              </p:prevCondLst>
-              <p:nextCondLst>
-                <p:cond evt="onNext" delay="0">
-                  <p:tgtEl>
-                    <p:sldTgt/>
-                  </p:tgtEl>
-                </p:cond>
-              </p:nextCondLst>
-            </p:seq>
-          </p:childTnLst>
-        </p:cTn>
-      </p:par>
-    </p:tnLst>
-    <p:bldLst>
-      <p:bldP spid="2" grpId="0"/>
-    </p:bldLst>
-  </p:timing>
-</p:sld>
-</file>
-
 <file path=ppt/slides/slide2.xml><?xml version="1.0" encoding="utf-8"?>
 <p:sld xmlns:a="http://schemas.openxmlformats.org/drawingml/2006/main" xmlns:r="http://schemas.openxmlformats.org/officeDocument/2006/relationships" xmlns:p="http://schemas.openxmlformats.org/presentationml/2006/main">
   <p:cSld>
@@ -3771,7 +3555,7 @@
         <p:spPr>
           <a:xfrm>
             <a:off x="226503" y="192947"/>
-            <a:ext cx="5242717" cy="646331"/>
+            <a:ext cx="1034257" cy="646331"/>
           </a:xfrm>
           <a:prstGeom prst="rect">
             <a:avLst/>
@@ -3784,1307 +3568,26 @@
           <a:lstStyle/>
           <a:p>
             <a:r>
-              <a:rPr lang="ru-RU" sz="3600" b="1" dirty="0">
+              <a:rPr lang="en-US" sz="3600" b="1" dirty="0">
                 <a:solidFill>
-                  <a:srgbClr val="007B8D"/>
+                  <a:schemeClr val="tx1">
+                    <a:lumMod val="50000"/>
+                    <a:lumOff val="50000"/>
+                  </a:schemeClr>
                 </a:solidFill>
                 <a:latin typeface="Montserrat" panose="00000500000000000000" pitchFamily="2" charset="-52"/>
               </a:rPr>
-              <a:t>Какой трек мы выбрали?</a:t>
-            </a:r>
-          </a:p>
-        </p:txBody>
-      </p:sp>
-    </p:spTree>
-    <p:extLst>
-      <p:ext uri="{BB962C8B-B14F-4D97-AF65-F5344CB8AC3E}">
-        <p14:creationId xmlns:p14="http://schemas.microsoft.com/office/powerpoint/2010/main" val="734982948"/>
-      </p:ext>
-    </p:extLst>
-  </p:cSld>
-  <p:clrMapOvr>
-    <a:masterClrMapping/>
-  </p:clrMapOvr>
-</p:sld>
-</file>
-
-<file path=ppt/slides/slide3.xml><?xml version="1.0" encoding="utf-8"?>
-<p:sld xmlns:a="http://schemas.openxmlformats.org/drawingml/2006/main" xmlns:r="http://schemas.openxmlformats.org/officeDocument/2006/relationships" xmlns:p="http://schemas.openxmlformats.org/presentationml/2006/main">
-  <p:cSld>
-    <p:spTree>
-      <p:nvGrpSpPr>
-        <p:cNvPr id="1" name=""/>
-        <p:cNvGrpSpPr/>
-        <p:nvPr/>
-      </p:nvGrpSpPr>
-      <p:grpSpPr>
-        <a:xfrm>
-          <a:off x="0" y="0"/>
-          <a:ext cx="0" cy="0"/>
-          <a:chOff x="0" y="0"/>
-          <a:chExt cx="0" cy="0"/>
-        </a:xfrm>
-      </p:grpSpPr>
-      <p:sp>
-        <p:nvSpPr>
-          <p:cNvPr id="4" name="Прямоугольник 3">
-            <a:extLst>
-              <a:ext uri="{FF2B5EF4-FFF2-40B4-BE49-F238E27FC236}">
-                <a16:creationId xmlns:a16="http://schemas.microsoft.com/office/drawing/2014/main" id="{D744DC60-29D7-4107-BF24-9CA85085F51D}"/>
-              </a:ext>
-            </a:extLst>
-          </p:cNvPr>
-          <p:cNvSpPr/>
-          <p:nvPr/>
-        </p:nvSpPr>
-        <p:spPr>
-          <a:xfrm>
-            <a:off x="226503" y="192947"/>
-            <a:ext cx="4191468" cy="646331"/>
-          </a:xfrm>
-          <a:prstGeom prst="rect">
-            <a:avLst/>
-          </a:prstGeom>
-        </p:spPr>
-        <p:txBody>
-          <a:bodyPr wrap="none">
-            <a:spAutoFit/>
-          </a:bodyPr>
-          <a:lstStyle/>
-          <a:p>
-            <a:r>
-              <a:rPr lang="ru-RU" sz="3600" b="1" dirty="0">
-                <a:solidFill>
-                  <a:srgbClr val="007B8D"/>
-                </a:solidFill>
-                <a:latin typeface="Montserrat" panose="00000500000000000000" pitchFamily="2" charset="-52"/>
-              </a:rPr>
-              <a:t>Что мы не сделали?</a:t>
-            </a:r>
-          </a:p>
-        </p:txBody>
-      </p:sp>
-      <p:sp>
-        <p:nvSpPr>
-          <p:cNvPr id="2" name="TextBox 1">
-            <a:extLst>
-              <a:ext uri="{FF2B5EF4-FFF2-40B4-BE49-F238E27FC236}">
-                <a16:creationId xmlns:a16="http://schemas.microsoft.com/office/drawing/2014/main" id="{0103A899-6D10-49E9-8A51-97CA9380A77D}"/>
-              </a:ext>
-            </a:extLst>
-          </p:cNvPr>
-          <p:cNvSpPr txBox="1"/>
-          <p:nvPr/>
-        </p:nvSpPr>
-        <p:spPr>
-          <a:xfrm>
-            <a:off x="791029" y="1757260"/>
-            <a:ext cx="10609942" cy="671851"/>
-          </a:xfrm>
-          <a:prstGeom prst="rect">
-            <a:avLst/>
-          </a:prstGeom>
-          <a:noFill/>
-        </p:spPr>
-        <p:txBody>
-          <a:bodyPr wrap="square" rtlCol="0">
-            <a:spAutoFit/>
-          </a:bodyPr>
-          <a:lstStyle/>
-          <a:p>
-            <a:pPr>
-              <a:lnSpc>
-                <a:spcPct val="150000"/>
-              </a:lnSpc>
-            </a:pPr>
-            <a:r>
-              <a:rPr lang="en-US" sz="2800" dirty="0">
-                <a:latin typeface="Montserrat" panose="00000500000000000000" pitchFamily="2" charset="-52"/>
-              </a:rPr>
-              <a:t>text</a:t>
-            </a:r>
-            <a:endParaRPr lang="ru-RU" sz="2800" dirty="0">
-              <a:latin typeface="Montserrat" panose="00000500000000000000" pitchFamily="2" charset="-52"/>
-            </a:endParaRPr>
-          </a:p>
-        </p:txBody>
-      </p:sp>
-    </p:spTree>
-    <p:extLst>
-      <p:ext uri="{BB962C8B-B14F-4D97-AF65-F5344CB8AC3E}">
-        <p14:creationId xmlns:p14="http://schemas.microsoft.com/office/powerpoint/2010/main" val="1748454584"/>
-      </p:ext>
-    </p:extLst>
-  </p:cSld>
-  <p:clrMapOvr>
-    <a:masterClrMapping/>
-  </p:clrMapOvr>
-  <p:timing>
-    <p:tnLst>
-      <p:par>
-        <p:cTn id="1" dur="indefinite" restart="never" nodeType="tmRoot">
-          <p:childTnLst>
-            <p:seq concurrent="1" nextAc="seek">
-              <p:cTn id="2" dur="indefinite" nodeType="mainSeq">
-                <p:childTnLst>
-                  <p:par>
-                    <p:cTn id="3" fill="hold">
-                      <p:stCondLst>
-                        <p:cond delay="indefinite"/>
-                        <p:cond evt="onBegin" delay="0">
-                          <p:tn val="2"/>
-                        </p:cond>
-                      </p:stCondLst>
-                      <p:childTnLst>
-                        <p:par>
-                          <p:cTn id="4" fill="hold">
-                            <p:stCondLst>
-                              <p:cond delay="0"/>
-                            </p:stCondLst>
-                            <p:childTnLst>
-                              <p:par>
-                                <p:cTn id="5" presetID="10" presetClass="entr" presetSubtype="0" fill="hold" grpId="0" nodeType="afterEffect">
-                                  <p:stCondLst>
-                                    <p:cond delay="0"/>
-                                  </p:stCondLst>
-                                  <p:childTnLst>
-                                    <p:set>
-                                      <p:cBhvr>
-                                        <p:cTn id="6" dur="1" fill="hold">
-                                          <p:stCondLst>
-                                            <p:cond delay="0"/>
-                                          </p:stCondLst>
-                                        </p:cTn>
-                                        <p:tgtEl>
-                                          <p:spTgt spid="2"/>
-                                        </p:tgtEl>
-                                        <p:attrNameLst>
-                                          <p:attrName>style.visibility</p:attrName>
-                                        </p:attrNameLst>
-                                      </p:cBhvr>
-                                      <p:to>
-                                        <p:strVal val="visible"/>
-                                      </p:to>
-                                    </p:set>
-                                    <p:animEffect transition="in" filter="fade">
-                                      <p:cBhvr>
-                                        <p:cTn id="7" dur="1000"/>
-                                        <p:tgtEl>
-                                          <p:spTgt spid="2"/>
-                                        </p:tgtEl>
-                                      </p:cBhvr>
-                                    </p:animEffect>
-                                  </p:childTnLst>
-                                </p:cTn>
-                              </p:par>
-                            </p:childTnLst>
-                          </p:cTn>
-                        </p:par>
-                      </p:childTnLst>
-                    </p:cTn>
-                  </p:par>
-                </p:childTnLst>
-              </p:cTn>
-              <p:prevCondLst>
-                <p:cond evt="onPrev" delay="0">
-                  <p:tgtEl>
-                    <p:sldTgt/>
-                  </p:tgtEl>
-                </p:cond>
-              </p:prevCondLst>
-              <p:nextCondLst>
-                <p:cond evt="onNext" delay="0">
-                  <p:tgtEl>
-                    <p:sldTgt/>
-                  </p:tgtEl>
-                </p:cond>
-              </p:nextCondLst>
-            </p:seq>
-          </p:childTnLst>
-        </p:cTn>
-      </p:par>
-    </p:tnLst>
-    <p:bldLst>
-      <p:bldP spid="2" grpId="0"/>
-    </p:bldLst>
-  </p:timing>
-</p:sld>
-</file>
-
-<file path=ppt/slides/slide4.xml><?xml version="1.0" encoding="utf-8"?>
-<p:sld xmlns:a="http://schemas.openxmlformats.org/drawingml/2006/main" xmlns:r="http://schemas.openxmlformats.org/officeDocument/2006/relationships" xmlns:p="http://schemas.openxmlformats.org/presentationml/2006/main">
-  <p:cSld>
-    <p:spTree>
-      <p:nvGrpSpPr>
-        <p:cNvPr id="1" name=""/>
-        <p:cNvGrpSpPr/>
-        <p:nvPr/>
-      </p:nvGrpSpPr>
-      <p:grpSpPr>
-        <a:xfrm>
-          <a:off x="0" y="0"/>
-          <a:ext cx="0" cy="0"/>
-          <a:chOff x="0" y="0"/>
-          <a:chExt cx="0" cy="0"/>
-        </a:xfrm>
-      </p:grpSpPr>
-      <p:sp>
-        <p:nvSpPr>
-          <p:cNvPr id="4" name="Прямоугольник 3">
-            <a:extLst>
-              <a:ext uri="{FF2B5EF4-FFF2-40B4-BE49-F238E27FC236}">
-                <a16:creationId xmlns:a16="http://schemas.microsoft.com/office/drawing/2014/main" id="{D744DC60-29D7-4107-BF24-9CA85085F51D}"/>
-              </a:ext>
-            </a:extLst>
-          </p:cNvPr>
-          <p:cNvSpPr/>
-          <p:nvPr/>
-        </p:nvSpPr>
-        <p:spPr>
-          <a:xfrm>
-            <a:off x="226503" y="192947"/>
-            <a:ext cx="3707362" cy="646331"/>
-          </a:xfrm>
-          <a:prstGeom prst="rect">
-            <a:avLst/>
-          </a:prstGeom>
-        </p:spPr>
-        <p:txBody>
-          <a:bodyPr wrap="none">
-            <a:spAutoFit/>
-          </a:bodyPr>
-          <a:lstStyle/>
-          <a:p>
-            <a:r>
-              <a:rPr lang="ru-RU" sz="3600" b="1" dirty="0">
-                <a:solidFill>
-                  <a:srgbClr val="007B8D"/>
-                </a:solidFill>
-                <a:latin typeface="Montserrat" panose="00000500000000000000" pitchFamily="2" charset="-52"/>
-              </a:rPr>
-              <a:t>Что мы сделали?</a:t>
-            </a:r>
-          </a:p>
-        </p:txBody>
-      </p:sp>
-      <p:sp>
-        <p:nvSpPr>
-          <p:cNvPr id="2" name="TextBox 1">
-            <a:extLst>
-              <a:ext uri="{FF2B5EF4-FFF2-40B4-BE49-F238E27FC236}">
-                <a16:creationId xmlns:a16="http://schemas.microsoft.com/office/drawing/2014/main" id="{0103A899-6D10-49E9-8A51-97CA9380A77D}"/>
-              </a:ext>
-            </a:extLst>
-          </p:cNvPr>
-          <p:cNvSpPr txBox="1"/>
-          <p:nvPr/>
-        </p:nvSpPr>
-        <p:spPr>
-          <a:xfrm>
-            <a:off x="791029" y="1757260"/>
-            <a:ext cx="10609942" cy="671851"/>
-          </a:xfrm>
-          <a:prstGeom prst="rect">
-            <a:avLst/>
-          </a:prstGeom>
-          <a:noFill/>
-        </p:spPr>
-        <p:txBody>
-          <a:bodyPr wrap="square" rtlCol="0">
-            <a:spAutoFit/>
-          </a:bodyPr>
-          <a:lstStyle/>
-          <a:p>
-            <a:pPr>
-              <a:lnSpc>
-                <a:spcPct val="150000"/>
-              </a:lnSpc>
-            </a:pPr>
-            <a:r>
-              <a:rPr lang="en-US" sz="2800" dirty="0">
-                <a:latin typeface="Montserrat" panose="00000500000000000000" pitchFamily="2" charset="-52"/>
-              </a:rPr>
-              <a:t>text</a:t>
-            </a:r>
-            <a:endParaRPr lang="ru-RU" sz="2800" dirty="0">
-              <a:latin typeface="Montserrat" panose="00000500000000000000" pitchFamily="2" charset="-52"/>
-            </a:endParaRPr>
-          </a:p>
-        </p:txBody>
-      </p:sp>
-    </p:spTree>
-    <p:extLst>
-      <p:ext uri="{BB962C8B-B14F-4D97-AF65-F5344CB8AC3E}">
-        <p14:creationId xmlns:p14="http://schemas.microsoft.com/office/powerpoint/2010/main" val="1655328721"/>
-      </p:ext>
-    </p:extLst>
-  </p:cSld>
-  <p:clrMapOvr>
-    <a:masterClrMapping/>
-  </p:clrMapOvr>
-  <p:timing>
-    <p:tnLst>
-      <p:par>
-        <p:cTn id="1" dur="indefinite" restart="never" nodeType="tmRoot">
-          <p:childTnLst>
-            <p:seq concurrent="1" nextAc="seek">
-              <p:cTn id="2" dur="indefinite" nodeType="mainSeq">
-                <p:childTnLst>
-                  <p:par>
-                    <p:cTn id="3" fill="hold">
-                      <p:stCondLst>
-                        <p:cond delay="indefinite"/>
-                        <p:cond evt="onBegin" delay="0">
-                          <p:tn val="2"/>
-                        </p:cond>
-                      </p:stCondLst>
-                      <p:childTnLst>
-                        <p:par>
-                          <p:cTn id="4" fill="hold">
-                            <p:stCondLst>
-                              <p:cond delay="0"/>
-                            </p:stCondLst>
-                            <p:childTnLst>
-                              <p:par>
-                                <p:cTn id="5" presetID="10" presetClass="entr" presetSubtype="0" fill="hold" grpId="0" nodeType="afterEffect">
-                                  <p:stCondLst>
-                                    <p:cond delay="0"/>
-                                  </p:stCondLst>
-                                  <p:childTnLst>
-                                    <p:set>
-                                      <p:cBhvr>
-                                        <p:cTn id="6" dur="1" fill="hold">
-                                          <p:stCondLst>
-                                            <p:cond delay="0"/>
-                                          </p:stCondLst>
-                                        </p:cTn>
-                                        <p:tgtEl>
-                                          <p:spTgt spid="2"/>
-                                        </p:tgtEl>
-                                        <p:attrNameLst>
-                                          <p:attrName>style.visibility</p:attrName>
-                                        </p:attrNameLst>
-                                      </p:cBhvr>
-                                      <p:to>
-                                        <p:strVal val="visible"/>
-                                      </p:to>
-                                    </p:set>
-                                    <p:animEffect transition="in" filter="fade">
-                                      <p:cBhvr>
-                                        <p:cTn id="7" dur="1000"/>
-                                        <p:tgtEl>
-                                          <p:spTgt spid="2"/>
-                                        </p:tgtEl>
-                                      </p:cBhvr>
-                                    </p:animEffect>
-                                  </p:childTnLst>
-                                </p:cTn>
-                              </p:par>
-                            </p:childTnLst>
-                          </p:cTn>
-                        </p:par>
-                      </p:childTnLst>
-                    </p:cTn>
-                  </p:par>
-                </p:childTnLst>
-              </p:cTn>
-              <p:prevCondLst>
-                <p:cond evt="onPrev" delay="0">
-                  <p:tgtEl>
-                    <p:sldTgt/>
-                  </p:tgtEl>
-                </p:cond>
-              </p:prevCondLst>
-              <p:nextCondLst>
-                <p:cond evt="onNext" delay="0">
-                  <p:tgtEl>
-                    <p:sldTgt/>
-                  </p:tgtEl>
-                </p:cond>
-              </p:nextCondLst>
-            </p:seq>
-          </p:childTnLst>
-        </p:cTn>
-      </p:par>
-    </p:tnLst>
-    <p:bldLst>
-      <p:bldP spid="2" grpId="0"/>
-    </p:bldLst>
-  </p:timing>
-</p:sld>
-</file>
-
-<file path=ppt/slides/slide5.xml><?xml version="1.0" encoding="utf-8"?>
-<p:sld xmlns:a="http://schemas.openxmlformats.org/drawingml/2006/main" xmlns:r="http://schemas.openxmlformats.org/officeDocument/2006/relationships" xmlns:p="http://schemas.openxmlformats.org/presentationml/2006/main">
-  <p:cSld>
-    <p:spTree>
-      <p:nvGrpSpPr>
-        <p:cNvPr id="1" name=""/>
-        <p:cNvGrpSpPr/>
-        <p:nvPr/>
-      </p:nvGrpSpPr>
-      <p:grpSpPr>
-        <a:xfrm>
-          <a:off x="0" y="0"/>
-          <a:ext cx="0" cy="0"/>
-          <a:chOff x="0" y="0"/>
-          <a:chExt cx="0" cy="0"/>
-        </a:xfrm>
-      </p:grpSpPr>
-      <p:sp>
-        <p:nvSpPr>
-          <p:cNvPr id="4" name="Прямоугольник 3">
-            <a:extLst>
-              <a:ext uri="{FF2B5EF4-FFF2-40B4-BE49-F238E27FC236}">
-                <a16:creationId xmlns:a16="http://schemas.microsoft.com/office/drawing/2014/main" id="{D744DC60-29D7-4107-BF24-9CA85085F51D}"/>
-              </a:ext>
-            </a:extLst>
-          </p:cNvPr>
-          <p:cNvSpPr/>
-          <p:nvPr/>
-        </p:nvSpPr>
-        <p:spPr>
-          <a:xfrm>
-            <a:off x="226503" y="192947"/>
-            <a:ext cx="8281241" cy="646331"/>
-          </a:xfrm>
-          <a:prstGeom prst="rect">
-            <a:avLst/>
-          </a:prstGeom>
-        </p:spPr>
-        <p:txBody>
-          <a:bodyPr wrap="none">
-            <a:spAutoFit/>
-          </a:bodyPr>
-          <a:lstStyle/>
-          <a:p>
-            <a:r>
-              <a:rPr lang="ru-RU" sz="3600" b="1" dirty="0">
-                <a:solidFill>
-                  <a:srgbClr val="007B8D"/>
-                </a:solidFill>
-                <a:latin typeface="Montserrat" panose="00000500000000000000" pitchFamily="2" charset="-52"/>
-              </a:rPr>
-              <a:t>С какими проблемами мы столкнулись?</a:t>
-            </a:r>
-          </a:p>
-        </p:txBody>
-      </p:sp>
-      <p:sp>
-        <p:nvSpPr>
-          <p:cNvPr id="2" name="TextBox 1">
-            <a:extLst>
-              <a:ext uri="{FF2B5EF4-FFF2-40B4-BE49-F238E27FC236}">
-                <a16:creationId xmlns:a16="http://schemas.microsoft.com/office/drawing/2014/main" id="{0103A899-6D10-49E9-8A51-97CA9380A77D}"/>
-              </a:ext>
-            </a:extLst>
-          </p:cNvPr>
-          <p:cNvSpPr txBox="1"/>
-          <p:nvPr/>
-        </p:nvSpPr>
-        <p:spPr>
-          <a:xfrm>
-            <a:off x="791029" y="1757260"/>
-            <a:ext cx="10609942" cy="671851"/>
-          </a:xfrm>
-          <a:prstGeom prst="rect">
-            <a:avLst/>
-          </a:prstGeom>
-          <a:noFill/>
-        </p:spPr>
-        <p:txBody>
-          <a:bodyPr wrap="square" rtlCol="0">
-            <a:spAutoFit/>
-          </a:bodyPr>
-          <a:lstStyle/>
-          <a:p>
-            <a:pPr>
-              <a:lnSpc>
-                <a:spcPct val="150000"/>
-              </a:lnSpc>
-            </a:pPr>
-            <a:r>
-              <a:rPr lang="en-US" sz="2800" dirty="0">
-                <a:latin typeface="Montserrat" panose="00000500000000000000" pitchFamily="2" charset="-52"/>
-              </a:rPr>
-              <a:t>text</a:t>
-            </a:r>
-            <a:endParaRPr lang="ru-RU" sz="2800" dirty="0">
-              <a:latin typeface="Montserrat" panose="00000500000000000000" pitchFamily="2" charset="-52"/>
-            </a:endParaRPr>
-          </a:p>
-        </p:txBody>
-      </p:sp>
-    </p:spTree>
-    <p:extLst>
-      <p:ext uri="{BB962C8B-B14F-4D97-AF65-F5344CB8AC3E}">
-        <p14:creationId xmlns:p14="http://schemas.microsoft.com/office/powerpoint/2010/main" val="146912216"/>
-      </p:ext>
-    </p:extLst>
-  </p:cSld>
-  <p:clrMapOvr>
-    <a:masterClrMapping/>
-  </p:clrMapOvr>
-  <p:timing>
-    <p:tnLst>
-      <p:par>
-        <p:cTn id="1" dur="indefinite" restart="never" nodeType="tmRoot">
-          <p:childTnLst>
-            <p:seq concurrent="1" nextAc="seek">
-              <p:cTn id="2" dur="indefinite" nodeType="mainSeq">
-                <p:childTnLst>
-                  <p:par>
-                    <p:cTn id="3" fill="hold">
-                      <p:stCondLst>
-                        <p:cond delay="indefinite"/>
-                        <p:cond evt="onBegin" delay="0">
-                          <p:tn val="2"/>
-                        </p:cond>
-                      </p:stCondLst>
-                      <p:childTnLst>
-                        <p:par>
-                          <p:cTn id="4" fill="hold">
-                            <p:stCondLst>
-                              <p:cond delay="0"/>
-                            </p:stCondLst>
-                            <p:childTnLst>
-                              <p:par>
-                                <p:cTn id="5" presetID="10" presetClass="entr" presetSubtype="0" fill="hold" grpId="0" nodeType="afterEffect">
-                                  <p:stCondLst>
-                                    <p:cond delay="0"/>
-                                  </p:stCondLst>
-                                  <p:childTnLst>
-                                    <p:set>
-                                      <p:cBhvr>
-                                        <p:cTn id="6" dur="1" fill="hold">
-                                          <p:stCondLst>
-                                            <p:cond delay="0"/>
-                                          </p:stCondLst>
-                                        </p:cTn>
-                                        <p:tgtEl>
-                                          <p:spTgt spid="2"/>
-                                        </p:tgtEl>
-                                        <p:attrNameLst>
-                                          <p:attrName>style.visibility</p:attrName>
-                                        </p:attrNameLst>
-                                      </p:cBhvr>
-                                      <p:to>
-                                        <p:strVal val="visible"/>
-                                      </p:to>
-                                    </p:set>
-                                    <p:animEffect transition="in" filter="fade">
-                                      <p:cBhvr>
-                                        <p:cTn id="7" dur="1000"/>
-                                        <p:tgtEl>
-                                          <p:spTgt spid="2"/>
-                                        </p:tgtEl>
-                                      </p:cBhvr>
-                                    </p:animEffect>
-                                  </p:childTnLst>
-                                </p:cTn>
-                              </p:par>
-                            </p:childTnLst>
-                          </p:cTn>
-                        </p:par>
-                      </p:childTnLst>
-                    </p:cTn>
-                  </p:par>
-                </p:childTnLst>
-              </p:cTn>
-              <p:prevCondLst>
-                <p:cond evt="onPrev" delay="0">
-                  <p:tgtEl>
-                    <p:sldTgt/>
-                  </p:tgtEl>
-                </p:cond>
-              </p:prevCondLst>
-              <p:nextCondLst>
-                <p:cond evt="onNext" delay="0">
-                  <p:tgtEl>
-                    <p:sldTgt/>
-                  </p:tgtEl>
-                </p:cond>
-              </p:nextCondLst>
-            </p:seq>
-          </p:childTnLst>
-        </p:cTn>
-      </p:par>
-    </p:tnLst>
-    <p:bldLst>
-      <p:bldP spid="2" grpId="0"/>
-    </p:bldLst>
-  </p:timing>
-</p:sld>
-</file>
-
-<file path=ppt/slides/slide6.xml><?xml version="1.0" encoding="utf-8"?>
-<p:sld xmlns:a="http://schemas.openxmlformats.org/drawingml/2006/main" xmlns:r="http://schemas.openxmlformats.org/officeDocument/2006/relationships" xmlns:p="http://schemas.openxmlformats.org/presentationml/2006/main">
-  <p:cSld>
-    <p:spTree>
-      <p:nvGrpSpPr>
-        <p:cNvPr id="1" name=""/>
-        <p:cNvGrpSpPr/>
-        <p:nvPr/>
-      </p:nvGrpSpPr>
-      <p:grpSpPr>
-        <a:xfrm>
-          <a:off x="0" y="0"/>
-          <a:ext cx="0" cy="0"/>
-          <a:chOff x="0" y="0"/>
-          <a:chExt cx="0" cy="0"/>
-        </a:xfrm>
-      </p:grpSpPr>
-      <p:sp>
-        <p:nvSpPr>
-          <p:cNvPr id="4" name="Прямоугольник 3">
-            <a:extLst>
-              <a:ext uri="{FF2B5EF4-FFF2-40B4-BE49-F238E27FC236}">
-                <a16:creationId xmlns:a16="http://schemas.microsoft.com/office/drawing/2014/main" id="{D744DC60-29D7-4107-BF24-9CA85085F51D}"/>
-              </a:ext>
-            </a:extLst>
-          </p:cNvPr>
-          <p:cNvSpPr/>
-          <p:nvPr/>
-        </p:nvSpPr>
-        <p:spPr>
-          <a:xfrm>
-            <a:off x="226503" y="192947"/>
-            <a:ext cx="6268447" cy="646331"/>
-          </a:xfrm>
-          <a:prstGeom prst="rect">
-            <a:avLst/>
-          </a:prstGeom>
-        </p:spPr>
-        <p:txBody>
-          <a:bodyPr wrap="none">
-            <a:spAutoFit/>
-          </a:bodyPr>
-          <a:lstStyle/>
-          <a:p>
-            <a:r>
-              <a:rPr lang="ru-RU" sz="3600" b="1" dirty="0">
-                <a:solidFill>
-                  <a:srgbClr val="007B8D"/>
-                </a:solidFill>
-                <a:latin typeface="Montserrat" panose="00000500000000000000" pitchFamily="2" charset="-52"/>
-              </a:rPr>
-              <a:t>Какие проблемы мы решили?</a:t>
-            </a:r>
-          </a:p>
-        </p:txBody>
-      </p:sp>
-      <p:sp>
-        <p:nvSpPr>
-          <p:cNvPr id="2" name="TextBox 1">
-            <a:extLst>
-              <a:ext uri="{FF2B5EF4-FFF2-40B4-BE49-F238E27FC236}">
-                <a16:creationId xmlns:a16="http://schemas.microsoft.com/office/drawing/2014/main" id="{0103A899-6D10-49E9-8A51-97CA9380A77D}"/>
-              </a:ext>
-            </a:extLst>
-          </p:cNvPr>
-          <p:cNvSpPr txBox="1"/>
-          <p:nvPr/>
-        </p:nvSpPr>
-        <p:spPr>
-          <a:xfrm>
-            <a:off x="791029" y="1757260"/>
-            <a:ext cx="10609942" cy="671851"/>
-          </a:xfrm>
-          <a:prstGeom prst="rect">
-            <a:avLst/>
-          </a:prstGeom>
-          <a:noFill/>
-        </p:spPr>
-        <p:txBody>
-          <a:bodyPr wrap="square" rtlCol="0">
-            <a:spAutoFit/>
-          </a:bodyPr>
-          <a:lstStyle/>
-          <a:p>
-            <a:pPr>
-              <a:lnSpc>
-                <a:spcPct val="150000"/>
-              </a:lnSpc>
-            </a:pPr>
-            <a:r>
-              <a:rPr lang="en-US" sz="2800" dirty="0">
-                <a:latin typeface="Montserrat" panose="00000500000000000000" pitchFamily="2" charset="-52"/>
-              </a:rPr>
-              <a:t>text</a:t>
-            </a:r>
-            <a:endParaRPr lang="ru-RU" sz="2800" dirty="0">
-              <a:latin typeface="Montserrat" panose="00000500000000000000" pitchFamily="2" charset="-52"/>
-            </a:endParaRPr>
-          </a:p>
-        </p:txBody>
-      </p:sp>
-    </p:spTree>
-    <p:extLst>
-      <p:ext uri="{BB962C8B-B14F-4D97-AF65-F5344CB8AC3E}">
-        <p14:creationId xmlns:p14="http://schemas.microsoft.com/office/powerpoint/2010/main" val="4177569774"/>
-      </p:ext>
-    </p:extLst>
-  </p:cSld>
-  <p:clrMapOvr>
-    <a:masterClrMapping/>
-  </p:clrMapOvr>
-  <p:timing>
-    <p:tnLst>
-      <p:par>
-        <p:cTn id="1" dur="indefinite" restart="never" nodeType="tmRoot">
-          <p:childTnLst>
-            <p:seq concurrent="1" nextAc="seek">
-              <p:cTn id="2" dur="indefinite" nodeType="mainSeq">
-                <p:childTnLst>
-                  <p:par>
-                    <p:cTn id="3" fill="hold">
-                      <p:stCondLst>
-                        <p:cond delay="indefinite"/>
-                        <p:cond evt="onBegin" delay="0">
-                          <p:tn val="2"/>
-                        </p:cond>
-                      </p:stCondLst>
-                      <p:childTnLst>
-                        <p:par>
-                          <p:cTn id="4" fill="hold">
-                            <p:stCondLst>
-                              <p:cond delay="0"/>
-                            </p:stCondLst>
-                            <p:childTnLst>
-                              <p:par>
-                                <p:cTn id="5" presetID="10" presetClass="entr" presetSubtype="0" fill="hold" grpId="0" nodeType="afterEffect">
-                                  <p:stCondLst>
-                                    <p:cond delay="0"/>
-                                  </p:stCondLst>
-                                  <p:childTnLst>
-                                    <p:set>
-                                      <p:cBhvr>
-                                        <p:cTn id="6" dur="1" fill="hold">
-                                          <p:stCondLst>
-                                            <p:cond delay="0"/>
-                                          </p:stCondLst>
-                                        </p:cTn>
-                                        <p:tgtEl>
-                                          <p:spTgt spid="2"/>
-                                        </p:tgtEl>
-                                        <p:attrNameLst>
-                                          <p:attrName>style.visibility</p:attrName>
-                                        </p:attrNameLst>
-                                      </p:cBhvr>
-                                      <p:to>
-                                        <p:strVal val="visible"/>
-                                      </p:to>
-                                    </p:set>
-                                    <p:animEffect transition="in" filter="fade">
-                                      <p:cBhvr>
-                                        <p:cTn id="7" dur="1000"/>
-                                        <p:tgtEl>
-                                          <p:spTgt spid="2"/>
-                                        </p:tgtEl>
-                                      </p:cBhvr>
-                                    </p:animEffect>
-                                  </p:childTnLst>
-                                </p:cTn>
-                              </p:par>
-                            </p:childTnLst>
-                          </p:cTn>
-                        </p:par>
-                      </p:childTnLst>
-                    </p:cTn>
-                  </p:par>
-                </p:childTnLst>
-              </p:cTn>
-              <p:prevCondLst>
-                <p:cond evt="onPrev" delay="0">
-                  <p:tgtEl>
-                    <p:sldTgt/>
-                  </p:tgtEl>
-                </p:cond>
-              </p:prevCondLst>
-              <p:nextCondLst>
-                <p:cond evt="onNext" delay="0">
-                  <p:tgtEl>
-                    <p:sldTgt/>
-                  </p:tgtEl>
-                </p:cond>
-              </p:nextCondLst>
-            </p:seq>
-          </p:childTnLst>
-        </p:cTn>
-      </p:par>
-    </p:tnLst>
-    <p:bldLst>
-      <p:bldP spid="2" grpId="0"/>
-    </p:bldLst>
-  </p:timing>
-</p:sld>
-</file>
-
-<file path=ppt/slides/slide7.xml><?xml version="1.0" encoding="utf-8"?>
-<p:sld xmlns:a="http://schemas.openxmlformats.org/drawingml/2006/main" xmlns:r="http://schemas.openxmlformats.org/officeDocument/2006/relationships" xmlns:p="http://schemas.openxmlformats.org/presentationml/2006/main">
-  <p:cSld>
-    <p:spTree>
-      <p:nvGrpSpPr>
-        <p:cNvPr id="1" name=""/>
-        <p:cNvGrpSpPr/>
-        <p:nvPr/>
-      </p:nvGrpSpPr>
-      <p:grpSpPr>
-        <a:xfrm>
-          <a:off x="0" y="0"/>
-          <a:ext cx="0" cy="0"/>
-          <a:chOff x="0" y="0"/>
-          <a:chExt cx="0" cy="0"/>
-        </a:xfrm>
-      </p:grpSpPr>
-      <p:sp>
-        <p:nvSpPr>
-          <p:cNvPr id="4" name="Прямоугольник 3">
-            <a:extLst>
-              <a:ext uri="{FF2B5EF4-FFF2-40B4-BE49-F238E27FC236}">
-                <a16:creationId xmlns:a16="http://schemas.microsoft.com/office/drawing/2014/main" id="{D744DC60-29D7-4107-BF24-9CA85085F51D}"/>
-              </a:ext>
-            </a:extLst>
-          </p:cNvPr>
-          <p:cNvSpPr/>
-          <p:nvPr/>
-        </p:nvSpPr>
-        <p:spPr>
-          <a:xfrm>
-            <a:off x="226503" y="192947"/>
-            <a:ext cx="9157635" cy="646331"/>
-          </a:xfrm>
-          <a:prstGeom prst="rect">
-            <a:avLst/>
-          </a:prstGeom>
-        </p:spPr>
-        <p:txBody>
-          <a:bodyPr wrap="none">
-            <a:spAutoFit/>
-          </a:bodyPr>
-          <a:lstStyle/>
-          <a:p>
-            <a:r>
-              <a:rPr lang="ru-RU" sz="3600" b="1" dirty="0">
-                <a:solidFill>
-                  <a:srgbClr val="007B8D"/>
-                </a:solidFill>
-                <a:latin typeface="Montserrat" panose="00000500000000000000" pitchFamily="2" charset="-52"/>
-              </a:rPr>
-              <a:t>Какие проблемы всё ещё требуют решения?</a:t>
-            </a:r>
-          </a:p>
-        </p:txBody>
-      </p:sp>
-      <p:sp>
-        <p:nvSpPr>
-          <p:cNvPr id="2" name="TextBox 1">
-            <a:extLst>
-              <a:ext uri="{FF2B5EF4-FFF2-40B4-BE49-F238E27FC236}">
-                <a16:creationId xmlns:a16="http://schemas.microsoft.com/office/drawing/2014/main" id="{0103A899-6D10-49E9-8A51-97CA9380A77D}"/>
-              </a:ext>
-            </a:extLst>
-          </p:cNvPr>
-          <p:cNvSpPr txBox="1"/>
-          <p:nvPr/>
-        </p:nvSpPr>
-        <p:spPr>
-          <a:xfrm>
-            <a:off x="791029" y="1757260"/>
-            <a:ext cx="10609942" cy="671851"/>
-          </a:xfrm>
-          <a:prstGeom prst="rect">
-            <a:avLst/>
-          </a:prstGeom>
-          <a:noFill/>
-        </p:spPr>
-        <p:txBody>
-          <a:bodyPr wrap="square" rtlCol="0">
-            <a:spAutoFit/>
-          </a:bodyPr>
-          <a:lstStyle/>
-          <a:p>
-            <a:pPr>
-              <a:lnSpc>
-                <a:spcPct val="150000"/>
-              </a:lnSpc>
-            </a:pPr>
-            <a:r>
-              <a:rPr lang="en-US" sz="2800" dirty="0">
-                <a:latin typeface="Montserrat" panose="00000500000000000000" pitchFamily="2" charset="-52"/>
-              </a:rPr>
-              <a:t>text</a:t>
-            </a:r>
-            <a:endParaRPr lang="ru-RU" sz="2800" dirty="0">
-              <a:latin typeface="Montserrat" panose="00000500000000000000" pitchFamily="2" charset="-52"/>
-            </a:endParaRPr>
-          </a:p>
-        </p:txBody>
-      </p:sp>
-    </p:spTree>
-    <p:extLst>
-      <p:ext uri="{BB962C8B-B14F-4D97-AF65-F5344CB8AC3E}">
-        <p14:creationId xmlns:p14="http://schemas.microsoft.com/office/powerpoint/2010/main" val="190473119"/>
-      </p:ext>
-    </p:extLst>
-  </p:cSld>
-  <p:clrMapOvr>
-    <a:masterClrMapping/>
-  </p:clrMapOvr>
-  <p:timing>
-    <p:tnLst>
-      <p:par>
-        <p:cTn id="1" dur="indefinite" restart="never" nodeType="tmRoot">
-          <p:childTnLst>
-            <p:seq concurrent="1" nextAc="seek">
-              <p:cTn id="2" dur="indefinite" nodeType="mainSeq">
-                <p:childTnLst>
-                  <p:par>
-                    <p:cTn id="3" fill="hold">
-                      <p:stCondLst>
-                        <p:cond delay="indefinite"/>
-                        <p:cond evt="onBegin" delay="0">
-                          <p:tn val="2"/>
-                        </p:cond>
-                      </p:stCondLst>
-                      <p:childTnLst>
-                        <p:par>
-                          <p:cTn id="4" fill="hold">
-                            <p:stCondLst>
-                              <p:cond delay="0"/>
-                            </p:stCondLst>
-                            <p:childTnLst>
-                              <p:par>
-                                <p:cTn id="5" presetID="10" presetClass="entr" presetSubtype="0" fill="hold" grpId="0" nodeType="afterEffect">
-                                  <p:stCondLst>
-                                    <p:cond delay="0"/>
-                                  </p:stCondLst>
-                                  <p:childTnLst>
-                                    <p:set>
-                                      <p:cBhvr>
-                                        <p:cTn id="6" dur="1" fill="hold">
-                                          <p:stCondLst>
-                                            <p:cond delay="0"/>
-                                          </p:stCondLst>
-                                        </p:cTn>
-                                        <p:tgtEl>
-                                          <p:spTgt spid="2"/>
-                                        </p:tgtEl>
-                                        <p:attrNameLst>
-                                          <p:attrName>style.visibility</p:attrName>
-                                        </p:attrNameLst>
-                                      </p:cBhvr>
-                                      <p:to>
-                                        <p:strVal val="visible"/>
-                                      </p:to>
-                                    </p:set>
-                                    <p:animEffect transition="in" filter="fade">
-                                      <p:cBhvr>
-                                        <p:cTn id="7" dur="1000"/>
-                                        <p:tgtEl>
-                                          <p:spTgt spid="2"/>
-                                        </p:tgtEl>
-                                      </p:cBhvr>
-                                    </p:animEffect>
-                                  </p:childTnLst>
-                                </p:cTn>
-                              </p:par>
-                            </p:childTnLst>
-                          </p:cTn>
-                        </p:par>
-                      </p:childTnLst>
-                    </p:cTn>
-                  </p:par>
-                </p:childTnLst>
-              </p:cTn>
-              <p:prevCondLst>
-                <p:cond evt="onPrev" delay="0">
-                  <p:tgtEl>
-                    <p:sldTgt/>
-                  </p:tgtEl>
-                </p:cond>
-              </p:prevCondLst>
-              <p:nextCondLst>
-                <p:cond evt="onNext" delay="0">
-                  <p:tgtEl>
-                    <p:sldTgt/>
-                  </p:tgtEl>
-                </p:cond>
-              </p:nextCondLst>
-            </p:seq>
-          </p:childTnLst>
-        </p:cTn>
-      </p:par>
-    </p:tnLst>
-    <p:bldLst>
-      <p:bldP spid="2" grpId="0"/>
-    </p:bldLst>
-  </p:timing>
-</p:sld>
-</file>
-
-<file path=ppt/slides/slide8.xml><?xml version="1.0" encoding="utf-8"?>
-<p:sld xmlns:a="http://schemas.openxmlformats.org/drawingml/2006/main" xmlns:r="http://schemas.openxmlformats.org/officeDocument/2006/relationships" xmlns:p="http://schemas.openxmlformats.org/presentationml/2006/main">
-  <p:cSld>
-    <p:spTree>
-      <p:nvGrpSpPr>
-        <p:cNvPr id="1" name=""/>
-        <p:cNvGrpSpPr/>
-        <p:nvPr/>
-      </p:nvGrpSpPr>
-      <p:grpSpPr>
-        <a:xfrm>
-          <a:off x="0" y="0"/>
-          <a:ext cx="0" cy="0"/>
-          <a:chOff x="0" y="0"/>
-          <a:chExt cx="0" cy="0"/>
-        </a:xfrm>
-      </p:grpSpPr>
-      <p:sp>
-        <p:nvSpPr>
-          <p:cNvPr id="4" name="Прямоугольник 3">
-            <a:extLst>
-              <a:ext uri="{FF2B5EF4-FFF2-40B4-BE49-F238E27FC236}">
-                <a16:creationId xmlns:a16="http://schemas.microsoft.com/office/drawing/2014/main" id="{D744DC60-29D7-4107-BF24-9CA85085F51D}"/>
-              </a:ext>
-            </a:extLst>
-          </p:cNvPr>
-          <p:cNvSpPr/>
-          <p:nvPr/>
-        </p:nvSpPr>
-        <p:spPr>
-          <a:xfrm>
-            <a:off x="226503" y="192947"/>
-            <a:ext cx="2930289" cy="646331"/>
-          </a:xfrm>
-          <a:prstGeom prst="rect">
-            <a:avLst/>
-          </a:prstGeom>
-        </p:spPr>
-        <p:txBody>
-          <a:bodyPr wrap="none">
-            <a:spAutoFit/>
-          </a:bodyPr>
-          <a:lstStyle/>
-          <a:p>
-            <a:r>
-              <a:rPr lang="en-US" sz="3600" b="1" dirty="0">
-                <a:solidFill>
-                  <a:srgbClr val="007B8D"/>
-                </a:solidFill>
-                <a:latin typeface="Montserrat" panose="00000500000000000000" pitchFamily="2" charset="-52"/>
-              </a:rPr>
-              <a:t>Android-client</a:t>
+              <a:t>Title</a:t>
             </a:r>
             <a:endParaRPr lang="ru-RU" sz="3600" b="1" dirty="0">
               <a:solidFill>
-                <a:srgbClr val="007B8D"/>
+                <a:schemeClr val="tx1">
+                  <a:lumMod val="50000"/>
+                  <a:lumOff val="50000"/>
+                </a:schemeClr>
               </a:solidFill>
               <a:latin typeface="Montserrat" panose="00000500000000000000" pitchFamily="2" charset="-52"/>
             </a:endParaRPr>
-          </a:p>
-        </p:txBody>
-      </p:sp>
-      <p:sp>
-        <p:nvSpPr>
-          <p:cNvPr id="2" name="TextBox 1">
-            <a:extLst>
-              <a:ext uri="{FF2B5EF4-FFF2-40B4-BE49-F238E27FC236}">
-                <a16:creationId xmlns:a16="http://schemas.microsoft.com/office/drawing/2014/main" id="{0103A899-6D10-49E9-8A51-97CA9380A77D}"/>
-              </a:ext>
-            </a:extLst>
-          </p:cNvPr>
-          <p:cNvSpPr txBox="1"/>
-          <p:nvPr/>
-        </p:nvSpPr>
-        <p:spPr>
-          <a:xfrm>
-            <a:off x="791029" y="1757260"/>
-            <a:ext cx="10609942" cy="671851"/>
-          </a:xfrm>
-          <a:prstGeom prst="rect">
-            <a:avLst/>
-          </a:prstGeom>
-          <a:noFill/>
-        </p:spPr>
-        <p:txBody>
-          <a:bodyPr wrap="square" rtlCol="0">
-            <a:spAutoFit/>
-          </a:bodyPr>
-          <a:lstStyle/>
-          <a:p>
-            <a:pPr>
-              <a:lnSpc>
-                <a:spcPct val="150000"/>
-              </a:lnSpc>
-            </a:pPr>
-            <a:r>
-              <a:rPr lang="en-US" sz="2800" dirty="0">
-                <a:latin typeface="Montserrat" panose="00000500000000000000" pitchFamily="2" charset="-52"/>
-              </a:rPr>
-              <a:t>text</a:t>
-            </a:r>
-            <a:endParaRPr lang="ru-RU" sz="2800" dirty="0">
-              <a:latin typeface="Montserrat" panose="00000500000000000000" pitchFamily="2" charset="-52"/>
-            </a:endParaRPr>
-          </a:p>
-        </p:txBody>
-      </p:sp>
-    </p:spTree>
-    <p:extLst>
-      <p:ext uri="{BB962C8B-B14F-4D97-AF65-F5344CB8AC3E}">
-        <p14:creationId xmlns:p14="http://schemas.microsoft.com/office/powerpoint/2010/main" val="3491508563"/>
-      </p:ext>
-    </p:extLst>
-  </p:cSld>
-  <p:clrMapOvr>
-    <a:masterClrMapping/>
-  </p:clrMapOvr>
-  <p:timing>
-    <p:tnLst>
-      <p:par>
-        <p:cTn id="1" dur="indefinite" restart="never" nodeType="tmRoot">
-          <p:childTnLst>
-            <p:seq concurrent="1" nextAc="seek">
-              <p:cTn id="2" dur="indefinite" nodeType="mainSeq">
-                <p:childTnLst>
-                  <p:par>
-                    <p:cTn id="3" fill="hold">
-                      <p:stCondLst>
-                        <p:cond delay="indefinite"/>
-                        <p:cond evt="onBegin" delay="0">
-                          <p:tn val="2"/>
-                        </p:cond>
-                      </p:stCondLst>
-                      <p:childTnLst>
-                        <p:par>
-                          <p:cTn id="4" fill="hold">
-                            <p:stCondLst>
-                              <p:cond delay="0"/>
-                            </p:stCondLst>
-                            <p:childTnLst>
-                              <p:par>
-                                <p:cTn id="5" presetID="10" presetClass="entr" presetSubtype="0" fill="hold" grpId="0" nodeType="afterEffect">
-                                  <p:stCondLst>
-                                    <p:cond delay="0"/>
-                                  </p:stCondLst>
-                                  <p:childTnLst>
-                                    <p:set>
-                                      <p:cBhvr>
-                                        <p:cTn id="6" dur="1" fill="hold">
-                                          <p:stCondLst>
-                                            <p:cond delay="0"/>
-                                          </p:stCondLst>
-                                        </p:cTn>
-                                        <p:tgtEl>
-                                          <p:spTgt spid="2"/>
-                                        </p:tgtEl>
-                                        <p:attrNameLst>
-                                          <p:attrName>style.visibility</p:attrName>
-                                        </p:attrNameLst>
-                                      </p:cBhvr>
-                                      <p:to>
-                                        <p:strVal val="visible"/>
-                                      </p:to>
-                                    </p:set>
-                                    <p:animEffect transition="in" filter="fade">
-                                      <p:cBhvr>
-                                        <p:cTn id="7" dur="1000"/>
-                                        <p:tgtEl>
-                                          <p:spTgt spid="2"/>
-                                        </p:tgtEl>
-                                      </p:cBhvr>
-                                    </p:animEffect>
-                                  </p:childTnLst>
-                                </p:cTn>
-                              </p:par>
-                            </p:childTnLst>
-                          </p:cTn>
-                        </p:par>
-                      </p:childTnLst>
-                    </p:cTn>
-                  </p:par>
-                </p:childTnLst>
-              </p:cTn>
-              <p:prevCondLst>
-                <p:cond evt="onPrev" delay="0">
-                  <p:tgtEl>
-                    <p:sldTgt/>
-                  </p:tgtEl>
-                </p:cond>
-              </p:prevCondLst>
-              <p:nextCondLst>
-                <p:cond evt="onNext" delay="0">
-                  <p:tgtEl>
-                    <p:sldTgt/>
-                  </p:tgtEl>
-                </p:cond>
-              </p:nextCondLst>
-            </p:seq>
-          </p:childTnLst>
-        </p:cTn>
-      </p:par>
-    </p:tnLst>
-    <p:bldLst>
-      <p:bldP spid="2" grpId="0"/>
-    </p:bldLst>
-  </p:timing>
-</p:sld>
-</file>
-
-<file path=ppt/slides/slide9.xml><?xml version="1.0" encoding="utf-8"?>
-<p:sld xmlns:a="http://schemas.openxmlformats.org/drawingml/2006/main" xmlns:r="http://schemas.openxmlformats.org/officeDocument/2006/relationships" xmlns:p="http://schemas.openxmlformats.org/presentationml/2006/main">
-  <p:cSld>
-    <p:spTree>
-      <p:nvGrpSpPr>
-        <p:cNvPr id="1" name=""/>
-        <p:cNvGrpSpPr/>
-        <p:nvPr/>
-      </p:nvGrpSpPr>
-      <p:grpSpPr>
-        <a:xfrm>
-          <a:off x="0" y="0"/>
-          <a:ext cx="0" cy="0"/>
-          <a:chOff x="0" y="0"/>
-          <a:chExt cx="0" cy="0"/>
-        </a:xfrm>
-      </p:grpSpPr>
-      <p:sp>
-        <p:nvSpPr>
-          <p:cNvPr id="4" name="Прямоугольник 3">
-            <a:extLst>
-              <a:ext uri="{FF2B5EF4-FFF2-40B4-BE49-F238E27FC236}">
-                <a16:creationId xmlns:a16="http://schemas.microsoft.com/office/drawing/2014/main" id="{D744DC60-29D7-4107-BF24-9CA85085F51D}"/>
-              </a:ext>
-            </a:extLst>
-          </p:cNvPr>
-          <p:cNvSpPr/>
-          <p:nvPr/>
-        </p:nvSpPr>
-        <p:spPr>
-          <a:xfrm>
-            <a:off x="226503" y="192947"/>
-            <a:ext cx="8420895" cy="646331"/>
-          </a:xfrm>
-          <a:prstGeom prst="rect">
-            <a:avLst/>
-          </a:prstGeom>
-        </p:spPr>
-        <p:txBody>
-          <a:bodyPr wrap="none">
-            <a:spAutoFit/>
-          </a:bodyPr>
-          <a:lstStyle/>
-          <a:p>
-            <a:r>
-              <a:rPr lang="ru-RU" sz="3600" b="1" dirty="0">
-                <a:solidFill>
-                  <a:srgbClr val="007B8D"/>
-                </a:solidFill>
-                <a:latin typeface="Montserrat" panose="00000500000000000000" pitchFamily="2" charset="-52"/>
-              </a:rPr>
-              <a:t>Обратная связь по качеству образования</a:t>
-            </a:r>
           </a:p>
         </p:txBody>
       </p:sp>
@@ -5232,6 +3735,79 @@
       <p:bldP spid="2" grpId="0"/>
     </p:bldLst>
   </p:timing>
+</p:sld>
+</file>
+
+<file path=ppt/slides/slide3.xml><?xml version="1.0" encoding="utf-8"?>
+<p:sld xmlns:a="http://schemas.openxmlformats.org/drawingml/2006/main" xmlns:r="http://schemas.openxmlformats.org/officeDocument/2006/relationships" xmlns:p="http://schemas.openxmlformats.org/presentationml/2006/main">
+  <p:cSld>
+    <p:spTree>
+      <p:nvGrpSpPr>
+        <p:cNvPr id="1" name=""/>
+        <p:cNvGrpSpPr/>
+        <p:nvPr/>
+      </p:nvGrpSpPr>
+      <p:grpSpPr>
+        <a:xfrm>
+          <a:off x="0" y="0"/>
+          <a:ext cx="0" cy="0"/>
+          <a:chOff x="0" y="0"/>
+          <a:chExt cx="0" cy="0"/>
+        </a:xfrm>
+      </p:grpSpPr>
+      <p:sp>
+        <p:nvSpPr>
+          <p:cNvPr id="4" name="Прямоугольник 3">
+            <a:extLst>
+              <a:ext uri="{FF2B5EF4-FFF2-40B4-BE49-F238E27FC236}">
+                <a16:creationId xmlns:a16="http://schemas.microsoft.com/office/drawing/2014/main" id="{D744DC60-29D7-4107-BF24-9CA85085F51D}"/>
+              </a:ext>
+            </a:extLst>
+          </p:cNvPr>
+          <p:cNvSpPr/>
+          <p:nvPr/>
+        </p:nvSpPr>
+        <p:spPr>
+          <a:xfrm>
+            <a:off x="4429005" y="3105834"/>
+            <a:ext cx="3333990" cy="646331"/>
+          </a:xfrm>
+          <a:prstGeom prst="rect">
+            <a:avLst/>
+          </a:prstGeom>
+        </p:spPr>
+        <p:txBody>
+          <a:bodyPr wrap="none">
+            <a:spAutoFit/>
+          </a:bodyPr>
+          <a:lstStyle/>
+          <a:p>
+            <a:pPr algn="ctr"/>
+            <a:r>
+              <a:rPr lang="ru-RU" sz="3600" b="1" dirty="0">
+                <a:solidFill>
+                  <a:schemeClr val="tx1">
+                    <a:lumMod val="50000"/>
+                    <a:lumOff val="50000"/>
+                  </a:schemeClr>
+                </a:solidFill>
+                <a:latin typeface="Montserrat" panose="00000500000000000000" pitchFamily="2" charset="-52"/>
+              </a:rPr>
+              <a:t>Вопросы судей</a:t>
+            </a:r>
+          </a:p>
+        </p:txBody>
+      </p:sp>
+    </p:spTree>
+    <p:extLst>
+      <p:ext uri="{BB962C8B-B14F-4D97-AF65-F5344CB8AC3E}">
+        <p14:creationId xmlns:p14="http://schemas.microsoft.com/office/powerpoint/2010/main" val="2298706615"/>
+      </p:ext>
+    </p:extLst>
+  </p:cSld>
+  <p:clrMapOvr>
+    <a:masterClrMapping/>
+  </p:clrMapOvr>
 </p:sld>
 </file>
 

--- a/praesentatio/HYDRA.pptx
+++ b/praesentatio/HYDRA.pptx
@@ -6,8 +6,17 @@
   </p:sldMasterIdLst>
   <p:sldIdLst>
     <p:sldId id="257" r:id="rId2"/>
-    <p:sldId id="275" r:id="rId3"/>
-    <p:sldId id="276" r:id="rId4"/>
+    <p:sldId id="277" r:id="rId3"/>
+    <p:sldId id="275" r:id="rId4"/>
+    <p:sldId id="278" r:id="rId5"/>
+    <p:sldId id="279" r:id="rId6"/>
+    <p:sldId id="280" r:id="rId7"/>
+    <p:sldId id="281" r:id="rId8"/>
+    <p:sldId id="282" r:id="rId9"/>
+    <p:sldId id="284" r:id="rId10"/>
+    <p:sldId id="285" r:id="rId11"/>
+    <p:sldId id="276" r:id="rId12"/>
+    <p:sldId id="283" r:id="rId13"/>
   </p:sldIdLst>
   <p:sldSz cx="12192000" cy="6858000"/>
   <p:notesSz cx="6858000" cy="9144000"/>
@@ -3523,7 +3532,7 @@
 </p:sld>
 </file>
 
-<file path=ppt/slides/slide2.xml><?xml version="1.0" encoding="utf-8"?>
+<file path=ppt/slides/slide10.xml><?xml version="1.0" encoding="utf-8"?>
 <p:sld xmlns:a="http://schemas.openxmlformats.org/drawingml/2006/main" xmlns:r="http://schemas.openxmlformats.org/officeDocument/2006/relationships" xmlns:p="http://schemas.openxmlformats.org/presentationml/2006/main">
   <p:cSld>
     <p:spTree>
@@ -3555,7 +3564,7 @@
         <p:spPr>
           <a:xfrm>
             <a:off x="226503" y="192947"/>
-            <a:ext cx="1034257" cy="646331"/>
+            <a:ext cx="3199915" cy="646331"/>
           </a:xfrm>
           <a:prstGeom prst="rect">
             <a:avLst/>
@@ -3568,7 +3577,7 @@
           <a:lstStyle/>
           <a:p>
             <a:r>
-              <a:rPr lang="en-US" sz="3600" b="1" dirty="0">
+              <a:rPr lang="ru-RU" sz="3600" b="1" dirty="0">
                 <a:solidFill>
                   <a:schemeClr val="tx1">
                     <a:lumMod val="50000"/>
@@ -3577,17 +3586,8 @@
                 </a:solidFill>
                 <a:latin typeface="Montserrat" panose="00000500000000000000" pitchFamily="2" charset="-52"/>
               </a:rPr>
-              <a:t>Title</a:t>
-            </a:r>
-            <a:endParaRPr lang="ru-RU" sz="3600" b="1" dirty="0">
-              <a:solidFill>
-                <a:schemeClr val="tx1">
-                  <a:lumMod val="50000"/>
-                  <a:lumOff val="50000"/>
-                </a:schemeClr>
-              </a:solidFill>
-              <a:latin typeface="Montserrat" panose="00000500000000000000" pitchFamily="2" charset="-52"/>
-            </a:endParaRPr>
+              <a:t>Наше решение</a:t>
+            </a:r>
           </a:p>
         </p:txBody>
       </p:sp>
@@ -3606,7 +3606,7 @@
         <p:spPr>
           <a:xfrm>
             <a:off x="791029" y="1757260"/>
-            <a:ext cx="10609942" cy="671851"/>
+            <a:ext cx="5304971" cy="3257174"/>
           </a:xfrm>
           <a:prstGeom prst="rect">
             <a:avLst/>
@@ -3625,21 +3625,60 @@
               </a:lnSpc>
             </a:pPr>
             <a:r>
-              <a:rPr lang="en-US" sz="2800" dirty="0">
+              <a:rPr lang="ru-RU" sz="2800" dirty="0">
                 <a:latin typeface="Montserrat" panose="00000500000000000000" pitchFamily="2" charset="-52"/>
               </a:rPr>
-              <a:t>text</a:t>
-            </a:r>
-            <a:endParaRPr lang="ru-RU" sz="2800" dirty="0">
-              <a:latin typeface="Montserrat" panose="00000500000000000000" pitchFamily="2" charset="-52"/>
-            </a:endParaRPr>
-          </a:p>
-        </p:txBody>
-      </p:sp>
+              <a:t>Приятным бонусом стало наше </a:t>
+            </a:r>
+            <a:r>
+              <a:rPr lang="ru-RU" sz="2800" dirty="0" err="1">
+                <a:latin typeface="Montserrat" panose="00000500000000000000" pitchFamily="2" charset="-52"/>
+              </a:rPr>
+              <a:t>Android</a:t>
+            </a:r>
+            <a:r>
+              <a:rPr lang="ru-RU" sz="2800" dirty="0">
+                <a:latin typeface="Montserrat" panose="00000500000000000000" pitchFamily="2" charset="-52"/>
+              </a:rPr>
+              <a:t> приложение с личным кабинетом, расписанием и возможностью отправить фидбек используя приложения.</a:t>
+            </a:r>
+          </a:p>
+        </p:txBody>
+      </p:sp>
+      <p:pic>
+        <p:nvPicPr>
+          <p:cNvPr id="3" name="Рисунок 2">
+            <a:extLst>
+              <a:ext uri="{FF2B5EF4-FFF2-40B4-BE49-F238E27FC236}">
+                <a16:creationId xmlns:a16="http://schemas.microsoft.com/office/drawing/2014/main" id="{DD5471B4-C7AC-41D3-A0F7-04D112DE6209}"/>
+              </a:ext>
+            </a:extLst>
+          </p:cNvPr>
+          <p:cNvPicPr>
+            <a:picLocks noChangeAspect="1"/>
+          </p:cNvPicPr>
+          <p:nvPr/>
+        </p:nvPicPr>
+        <p:blipFill>
+          <a:blip r:embed="rId2"/>
+          <a:stretch>
+            <a:fillRect/>
+          </a:stretch>
+        </p:blipFill>
+        <p:spPr>
+          <a:xfrm>
+            <a:off x="7971971" y="0"/>
+            <a:ext cx="3429000" cy="6858000"/>
+          </a:xfrm>
+          <a:prstGeom prst="rect">
+            <a:avLst/>
+          </a:prstGeom>
+        </p:spPr>
+      </p:pic>
     </p:spTree>
     <p:extLst>
       <p:ext uri="{BB962C8B-B14F-4D97-AF65-F5344CB8AC3E}">
-        <p14:creationId xmlns:p14="http://schemas.microsoft.com/office/powerpoint/2010/main" val="3481548332"/>
+        <p14:creationId xmlns:p14="http://schemas.microsoft.com/office/powerpoint/2010/main" val="164046037"/>
       </p:ext>
     </p:extLst>
   </p:cSld>
@@ -3670,7 +3709,544 @@
                             </p:stCondLst>
                             <p:childTnLst>
                               <p:par>
-                                <p:cTn id="5" presetID="10" presetClass="entr" presetSubtype="0" fill="hold" grpId="0" nodeType="afterEffect">
+                                <p:cTn id="5" presetID="10" presetClass="entr" presetSubtype="0" fill="hold" nodeType="withEffect">
+                                  <p:stCondLst>
+                                    <p:cond delay="0"/>
+                                  </p:stCondLst>
+                                  <p:childTnLst>
+                                    <p:set>
+                                      <p:cBhvr>
+                                        <p:cTn id="6" dur="1" fill="hold">
+                                          <p:stCondLst>
+                                            <p:cond delay="0"/>
+                                          </p:stCondLst>
+                                        </p:cTn>
+                                        <p:tgtEl>
+                                          <p:spTgt spid="3"/>
+                                        </p:tgtEl>
+                                        <p:attrNameLst>
+                                          <p:attrName>style.visibility</p:attrName>
+                                        </p:attrNameLst>
+                                      </p:cBhvr>
+                                      <p:to>
+                                        <p:strVal val="visible"/>
+                                      </p:to>
+                                    </p:set>
+                                    <p:animEffect transition="in" filter="fade">
+                                      <p:cBhvr>
+                                        <p:cTn id="7" dur="500"/>
+                                        <p:tgtEl>
+                                          <p:spTgt spid="3"/>
+                                        </p:tgtEl>
+                                      </p:cBhvr>
+                                    </p:animEffect>
+                                  </p:childTnLst>
+                                </p:cTn>
+                              </p:par>
+                            </p:childTnLst>
+                          </p:cTn>
+                        </p:par>
+                      </p:childTnLst>
+                    </p:cTn>
+                  </p:par>
+                </p:childTnLst>
+              </p:cTn>
+              <p:prevCondLst>
+                <p:cond evt="onPrev" delay="0">
+                  <p:tgtEl>
+                    <p:sldTgt/>
+                  </p:tgtEl>
+                </p:cond>
+              </p:prevCondLst>
+              <p:nextCondLst>
+                <p:cond evt="onNext" delay="0">
+                  <p:tgtEl>
+                    <p:sldTgt/>
+                  </p:tgtEl>
+                </p:cond>
+              </p:nextCondLst>
+            </p:seq>
+          </p:childTnLst>
+        </p:cTn>
+      </p:par>
+    </p:tnLst>
+  </p:timing>
+</p:sld>
+</file>
+
+<file path=ppt/slides/slide11.xml><?xml version="1.0" encoding="utf-8"?>
+<p:sld xmlns:a="http://schemas.openxmlformats.org/drawingml/2006/main" xmlns:r="http://schemas.openxmlformats.org/officeDocument/2006/relationships" xmlns:p="http://schemas.openxmlformats.org/presentationml/2006/main">
+  <p:cSld>
+    <p:spTree>
+      <p:nvGrpSpPr>
+        <p:cNvPr id="1" name=""/>
+        <p:cNvGrpSpPr/>
+        <p:nvPr/>
+      </p:nvGrpSpPr>
+      <p:grpSpPr>
+        <a:xfrm>
+          <a:off x="0" y="0"/>
+          <a:ext cx="0" cy="0"/>
+          <a:chOff x="0" y="0"/>
+          <a:chExt cx="0" cy="0"/>
+        </a:xfrm>
+      </p:grpSpPr>
+      <p:sp>
+        <p:nvSpPr>
+          <p:cNvPr id="4" name="Прямоугольник 3">
+            <a:extLst>
+              <a:ext uri="{FF2B5EF4-FFF2-40B4-BE49-F238E27FC236}">
+                <a16:creationId xmlns:a16="http://schemas.microsoft.com/office/drawing/2014/main" id="{D744DC60-29D7-4107-BF24-9CA85085F51D}"/>
+              </a:ext>
+            </a:extLst>
+          </p:cNvPr>
+          <p:cNvSpPr/>
+          <p:nvPr/>
+        </p:nvSpPr>
+        <p:spPr>
+          <a:xfrm>
+            <a:off x="4429005" y="3105834"/>
+            <a:ext cx="3333990" cy="646331"/>
+          </a:xfrm>
+          <a:prstGeom prst="rect">
+            <a:avLst/>
+          </a:prstGeom>
+        </p:spPr>
+        <p:txBody>
+          <a:bodyPr wrap="none">
+            <a:spAutoFit/>
+          </a:bodyPr>
+          <a:lstStyle/>
+          <a:p>
+            <a:pPr algn="ctr"/>
+            <a:r>
+              <a:rPr lang="ru-RU" sz="3600" b="1" dirty="0">
+                <a:solidFill>
+                  <a:schemeClr val="tx1">
+                    <a:lumMod val="50000"/>
+                    <a:lumOff val="50000"/>
+                  </a:schemeClr>
+                </a:solidFill>
+                <a:latin typeface="Montserrat" panose="00000500000000000000" pitchFamily="2" charset="-52"/>
+              </a:rPr>
+              <a:t>Вопросы судей</a:t>
+            </a:r>
+          </a:p>
+        </p:txBody>
+      </p:sp>
+    </p:spTree>
+    <p:extLst>
+      <p:ext uri="{BB962C8B-B14F-4D97-AF65-F5344CB8AC3E}">
+        <p14:creationId xmlns:p14="http://schemas.microsoft.com/office/powerpoint/2010/main" val="2298706615"/>
+      </p:ext>
+    </p:extLst>
+  </p:cSld>
+  <p:clrMapOvr>
+    <a:masterClrMapping/>
+  </p:clrMapOvr>
+  <p:timing>
+    <p:tnLst>
+      <p:par>
+        <p:cTn id="1" dur="indefinite" restart="never" nodeType="tmRoot">
+          <p:childTnLst>
+            <p:seq concurrent="1" nextAc="seek">
+              <p:cTn id="2" dur="indefinite" nodeType="mainSeq">
+                <p:childTnLst>
+                  <p:par>
+                    <p:cTn id="3" fill="hold">
+                      <p:stCondLst>
+                        <p:cond delay="indefinite"/>
+                        <p:cond evt="onBegin" delay="0">
+                          <p:tn val="2"/>
+                        </p:cond>
+                      </p:stCondLst>
+                      <p:childTnLst>
+                        <p:par>
+                          <p:cTn id="4" fill="hold">
+                            <p:stCondLst>
+                              <p:cond delay="0"/>
+                            </p:stCondLst>
+                            <p:childTnLst>
+                              <p:par>
+                                <p:cTn id="5" presetID="10" presetClass="entr" presetSubtype="0" fill="hold" grpId="0" nodeType="withEffect">
+                                  <p:stCondLst>
+                                    <p:cond delay="0"/>
+                                  </p:stCondLst>
+                                  <p:childTnLst>
+                                    <p:set>
+                                      <p:cBhvr>
+                                        <p:cTn id="6" dur="1" fill="hold">
+                                          <p:stCondLst>
+                                            <p:cond delay="0"/>
+                                          </p:stCondLst>
+                                        </p:cTn>
+                                        <p:tgtEl>
+                                          <p:spTgt spid="4"/>
+                                        </p:tgtEl>
+                                        <p:attrNameLst>
+                                          <p:attrName>style.visibility</p:attrName>
+                                        </p:attrNameLst>
+                                      </p:cBhvr>
+                                      <p:to>
+                                        <p:strVal val="visible"/>
+                                      </p:to>
+                                    </p:set>
+                                    <p:animEffect transition="in" filter="fade">
+                                      <p:cBhvr>
+                                        <p:cTn id="7" dur="500"/>
+                                        <p:tgtEl>
+                                          <p:spTgt spid="4"/>
+                                        </p:tgtEl>
+                                      </p:cBhvr>
+                                    </p:animEffect>
+                                  </p:childTnLst>
+                                </p:cTn>
+                              </p:par>
+                            </p:childTnLst>
+                          </p:cTn>
+                        </p:par>
+                      </p:childTnLst>
+                    </p:cTn>
+                  </p:par>
+                </p:childTnLst>
+              </p:cTn>
+              <p:prevCondLst>
+                <p:cond evt="onPrev" delay="0">
+                  <p:tgtEl>
+                    <p:sldTgt/>
+                  </p:tgtEl>
+                </p:cond>
+              </p:prevCondLst>
+              <p:nextCondLst>
+                <p:cond evt="onNext" delay="0">
+                  <p:tgtEl>
+                    <p:sldTgt/>
+                  </p:tgtEl>
+                </p:cond>
+              </p:nextCondLst>
+            </p:seq>
+          </p:childTnLst>
+        </p:cTn>
+      </p:par>
+    </p:tnLst>
+    <p:bldLst>
+      <p:bldP spid="4" grpId="0"/>
+    </p:bldLst>
+  </p:timing>
+</p:sld>
+</file>
+
+<file path=ppt/slides/slide12.xml><?xml version="1.0" encoding="utf-8"?>
+<p:sld xmlns:a="http://schemas.openxmlformats.org/drawingml/2006/main" xmlns:r="http://schemas.openxmlformats.org/officeDocument/2006/relationships" xmlns:p="http://schemas.openxmlformats.org/presentationml/2006/main">
+  <p:cSld>
+    <p:spTree>
+      <p:nvGrpSpPr>
+        <p:cNvPr id="1" name=""/>
+        <p:cNvGrpSpPr/>
+        <p:nvPr/>
+      </p:nvGrpSpPr>
+      <p:grpSpPr>
+        <a:xfrm>
+          <a:off x="0" y="0"/>
+          <a:ext cx="0" cy="0"/>
+          <a:chOff x="0" y="0"/>
+          <a:chExt cx="0" cy="0"/>
+        </a:xfrm>
+      </p:grpSpPr>
+      <p:sp>
+        <p:nvSpPr>
+          <p:cNvPr id="4" name="Прямоугольник 3">
+            <a:extLst>
+              <a:ext uri="{FF2B5EF4-FFF2-40B4-BE49-F238E27FC236}">
+                <a16:creationId xmlns:a16="http://schemas.microsoft.com/office/drawing/2014/main" id="{D744DC60-29D7-4107-BF24-9CA85085F51D}"/>
+              </a:ext>
+            </a:extLst>
+          </p:cNvPr>
+          <p:cNvSpPr/>
+          <p:nvPr/>
+        </p:nvSpPr>
+        <p:spPr>
+          <a:xfrm>
+            <a:off x="3777903" y="3105834"/>
+            <a:ext cx="4636206" cy="646331"/>
+          </a:xfrm>
+          <a:prstGeom prst="rect">
+            <a:avLst/>
+          </a:prstGeom>
+        </p:spPr>
+        <p:txBody>
+          <a:bodyPr wrap="none">
+            <a:spAutoFit/>
+          </a:bodyPr>
+          <a:lstStyle/>
+          <a:p>
+            <a:pPr algn="ctr"/>
+            <a:r>
+              <a:rPr lang="ru-RU" sz="3600" b="1" dirty="0">
+                <a:solidFill>
+                  <a:schemeClr val="tx1">
+                    <a:lumMod val="50000"/>
+                    <a:lumOff val="50000"/>
+                  </a:schemeClr>
+                </a:solidFill>
+                <a:latin typeface="Montserrat" panose="00000500000000000000" pitchFamily="2" charset="-52"/>
+              </a:rPr>
+              <a:t>Спасибо за внимание</a:t>
+            </a:r>
+          </a:p>
+        </p:txBody>
+      </p:sp>
+    </p:spTree>
+    <p:extLst>
+      <p:ext uri="{BB962C8B-B14F-4D97-AF65-F5344CB8AC3E}">
+        <p14:creationId xmlns:p14="http://schemas.microsoft.com/office/powerpoint/2010/main" val="1699585971"/>
+      </p:ext>
+    </p:extLst>
+  </p:cSld>
+  <p:clrMapOvr>
+    <a:masterClrMapping/>
+  </p:clrMapOvr>
+  <p:timing>
+    <p:tnLst>
+      <p:par>
+        <p:cTn id="1" dur="indefinite" restart="never" nodeType="tmRoot">
+          <p:childTnLst>
+            <p:seq concurrent="1" nextAc="seek">
+              <p:cTn id="2" dur="indefinite" nodeType="mainSeq">
+                <p:childTnLst>
+                  <p:par>
+                    <p:cTn id="3" fill="hold">
+                      <p:stCondLst>
+                        <p:cond delay="indefinite"/>
+                        <p:cond evt="onBegin" delay="0">
+                          <p:tn val="2"/>
+                        </p:cond>
+                      </p:stCondLst>
+                      <p:childTnLst>
+                        <p:par>
+                          <p:cTn id="4" fill="hold">
+                            <p:stCondLst>
+                              <p:cond delay="0"/>
+                            </p:stCondLst>
+                            <p:childTnLst>
+                              <p:par>
+                                <p:cTn id="5" presetID="10" presetClass="entr" presetSubtype="0" fill="hold" grpId="0" nodeType="withEffect">
+                                  <p:stCondLst>
+                                    <p:cond delay="0"/>
+                                  </p:stCondLst>
+                                  <p:childTnLst>
+                                    <p:set>
+                                      <p:cBhvr>
+                                        <p:cTn id="6" dur="1" fill="hold">
+                                          <p:stCondLst>
+                                            <p:cond delay="0"/>
+                                          </p:stCondLst>
+                                        </p:cTn>
+                                        <p:tgtEl>
+                                          <p:spTgt spid="4"/>
+                                        </p:tgtEl>
+                                        <p:attrNameLst>
+                                          <p:attrName>style.visibility</p:attrName>
+                                        </p:attrNameLst>
+                                      </p:cBhvr>
+                                      <p:to>
+                                        <p:strVal val="visible"/>
+                                      </p:to>
+                                    </p:set>
+                                    <p:animEffect transition="in" filter="fade">
+                                      <p:cBhvr>
+                                        <p:cTn id="7" dur="500"/>
+                                        <p:tgtEl>
+                                          <p:spTgt spid="4"/>
+                                        </p:tgtEl>
+                                      </p:cBhvr>
+                                    </p:animEffect>
+                                  </p:childTnLst>
+                                </p:cTn>
+                              </p:par>
+                            </p:childTnLst>
+                          </p:cTn>
+                        </p:par>
+                      </p:childTnLst>
+                    </p:cTn>
+                  </p:par>
+                </p:childTnLst>
+              </p:cTn>
+              <p:prevCondLst>
+                <p:cond evt="onPrev" delay="0">
+                  <p:tgtEl>
+                    <p:sldTgt/>
+                  </p:tgtEl>
+                </p:cond>
+              </p:prevCondLst>
+              <p:nextCondLst>
+                <p:cond evt="onNext" delay="0">
+                  <p:tgtEl>
+                    <p:sldTgt/>
+                  </p:tgtEl>
+                </p:cond>
+              </p:nextCondLst>
+            </p:seq>
+          </p:childTnLst>
+        </p:cTn>
+      </p:par>
+    </p:tnLst>
+    <p:bldLst>
+      <p:bldP spid="4" grpId="0"/>
+    </p:bldLst>
+  </p:timing>
+</p:sld>
+</file>
+
+<file path=ppt/slides/slide2.xml><?xml version="1.0" encoding="utf-8"?>
+<p:sld xmlns:a="http://schemas.openxmlformats.org/drawingml/2006/main" xmlns:r="http://schemas.openxmlformats.org/officeDocument/2006/relationships" xmlns:p="http://schemas.openxmlformats.org/presentationml/2006/main">
+  <p:cSld>
+    <p:spTree>
+      <p:nvGrpSpPr>
+        <p:cNvPr id="1" name=""/>
+        <p:cNvGrpSpPr/>
+        <p:nvPr/>
+      </p:nvGrpSpPr>
+      <p:grpSpPr>
+        <a:xfrm>
+          <a:off x="0" y="0"/>
+          <a:ext cx="0" cy="0"/>
+          <a:chOff x="0" y="0"/>
+          <a:chExt cx="0" cy="0"/>
+        </a:xfrm>
+      </p:grpSpPr>
+      <p:sp>
+        <p:nvSpPr>
+          <p:cNvPr id="4" name="Прямоугольник 3">
+            <a:extLst>
+              <a:ext uri="{FF2B5EF4-FFF2-40B4-BE49-F238E27FC236}">
+                <a16:creationId xmlns:a16="http://schemas.microsoft.com/office/drawing/2014/main" id="{D744DC60-29D7-4107-BF24-9CA85085F51D}"/>
+              </a:ext>
+            </a:extLst>
+          </p:cNvPr>
+          <p:cNvSpPr/>
+          <p:nvPr/>
+        </p:nvSpPr>
+        <p:spPr>
+          <a:xfrm>
+            <a:off x="226503" y="192947"/>
+            <a:ext cx="1614545" cy="646331"/>
+          </a:xfrm>
+          <a:prstGeom prst="rect">
+            <a:avLst/>
+          </a:prstGeom>
+        </p:spPr>
+        <p:txBody>
+          <a:bodyPr wrap="none">
+            <a:spAutoFit/>
+          </a:bodyPr>
+          <a:lstStyle/>
+          <a:p>
+            <a:r>
+              <a:rPr lang="ru-RU" sz="3600" b="1" dirty="0">
+                <a:solidFill>
+                  <a:schemeClr val="tx1">
+                    <a:lumMod val="50000"/>
+                    <a:lumOff val="50000"/>
+                  </a:schemeClr>
+                </a:solidFill>
+                <a:latin typeface="Montserrat" panose="00000500000000000000" pitchFamily="2" charset="-52"/>
+              </a:rPr>
+              <a:t>Задачи</a:t>
+            </a:r>
+          </a:p>
+        </p:txBody>
+      </p:sp>
+      <p:sp>
+        <p:nvSpPr>
+          <p:cNvPr id="2" name="TextBox 1">
+            <a:extLst>
+              <a:ext uri="{FF2B5EF4-FFF2-40B4-BE49-F238E27FC236}">
+                <a16:creationId xmlns:a16="http://schemas.microsoft.com/office/drawing/2014/main" id="{0103A899-6D10-49E9-8A51-97CA9380A77D}"/>
+              </a:ext>
+            </a:extLst>
+          </p:cNvPr>
+          <p:cNvSpPr txBox="1"/>
+          <p:nvPr/>
+        </p:nvSpPr>
+        <p:spPr>
+          <a:xfrm>
+            <a:off x="791029" y="1757260"/>
+            <a:ext cx="10609942" cy="1318181"/>
+          </a:xfrm>
+          <a:prstGeom prst="rect">
+            <a:avLst/>
+          </a:prstGeom>
+          <a:noFill/>
+        </p:spPr>
+        <p:txBody>
+          <a:bodyPr wrap="square" rtlCol="0">
+            <a:spAutoFit/>
+          </a:bodyPr>
+          <a:lstStyle/>
+          <a:p>
+            <a:pPr>
+              <a:lnSpc>
+                <a:spcPct val="150000"/>
+              </a:lnSpc>
+            </a:pPr>
+            <a:r>
+              <a:rPr lang="ru-RU" sz="2800" dirty="0">
+                <a:latin typeface="Montserrat" panose="00000500000000000000" pitchFamily="2" charset="-52"/>
+              </a:rPr>
+              <a:t>№ 2. «Система обратной связи по качеству образования» </a:t>
+            </a:r>
+          </a:p>
+          <a:p>
+            <a:pPr>
+              <a:lnSpc>
+                <a:spcPct val="150000"/>
+              </a:lnSpc>
+            </a:pPr>
+            <a:r>
+              <a:rPr lang="ru-RU" sz="2800" dirty="0">
+                <a:latin typeface="Montserrat" panose="00000500000000000000" pitchFamily="2" charset="-52"/>
+              </a:rPr>
+              <a:t>№ 1. «Мобильное приложение “Мой физтех”»</a:t>
+            </a:r>
+          </a:p>
+        </p:txBody>
+      </p:sp>
+    </p:spTree>
+    <p:extLst>
+      <p:ext uri="{BB962C8B-B14F-4D97-AF65-F5344CB8AC3E}">
+        <p14:creationId xmlns:p14="http://schemas.microsoft.com/office/powerpoint/2010/main" val="3210521180"/>
+      </p:ext>
+    </p:extLst>
+  </p:cSld>
+  <p:clrMapOvr>
+    <a:masterClrMapping/>
+  </p:clrMapOvr>
+  <p:timing>
+    <p:tnLst>
+      <p:par>
+        <p:cTn id="1" dur="indefinite" restart="never" nodeType="tmRoot">
+          <p:childTnLst>
+            <p:seq concurrent="1" nextAc="seek">
+              <p:cTn id="2" dur="indefinite" nodeType="mainSeq">
+                <p:childTnLst>
+                  <p:par>
+                    <p:cTn id="3" fill="hold">
+                      <p:stCondLst>
+                        <p:cond delay="indefinite"/>
+                        <p:cond evt="onBegin" delay="0">
+                          <p:tn val="2"/>
+                        </p:cond>
+                      </p:stCondLst>
+                      <p:childTnLst>
+                        <p:par>
+                          <p:cTn id="4" fill="hold">
+                            <p:stCondLst>
+                              <p:cond delay="0"/>
+                            </p:stCondLst>
+                            <p:childTnLst>
+                              <p:par>
+                                <p:cTn id="5" presetID="10" presetClass="entr" presetSubtype="0" fill="hold" grpId="0" nodeType="withEffect">
                                   <p:stCondLst>
                                     <p:cond delay="0"/>
                                   </p:stCondLst>
@@ -3769,8 +4345,8 @@
         </p:nvSpPr>
         <p:spPr>
           <a:xfrm>
-            <a:off x="4429005" y="3105834"/>
-            <a:ext cx="3333990" cy="646331"/>
+            <a:off x="226503" y="192947"/>
+            <a:ext cx="3267176" cy="646331"/>
           </a:xfrm>
           <a:prstGeom prst="rect">
             <a:avLst/>
@@ -3782,7 +4358,6 @@
           </a:bodyPr>
           <a:lstStyle/>
           <a:p>
-            <a:pPr algn="ctr"/>
             <a:r>
               <a:rPr lang="ru-RU" sz="3600" b="1" dirty="0">
                 <a:solidFill>
@@ -3793,7 +4368,75 @@
                 </a:solidFill>
                 <a:latin typeface="Montserrat" panose="00000500000000000000" pitchFamily="2" charset="-52"/>
               </a:rPr>
-              <a:t>Вопросы судей</a:t>
+              <a:t>Суть проблемы</a:t>
+            </a:r>
+          </a:p>
+        </p:txBody>
+      </p:sp>
+      <p:sp>
+        <p:nvSpPr>
+          <p:cNvPr id="2" name="TextBox 1">
+            <a:extLst>
+              <a:ext uri="{FF2B5EF4-FFF2-40B4-BE49-F238E27FC236}">
+                <a16:creationId xmlns:a16="http://schemas.microsoft.com/office/drawing/2014/main" id="{0103A899-6D10-49E9-8A51-97CA9380A77D}"/>
+              </a:ext>
+            </a:extLst>
+          </p:cNvPr>
+          <p:cNvSpPr txBox="1"/>
+          <p:nvPr/>
+        </p:nvSpPr>
+        <p:spPr>
+          <a:xfrm>
+            <a:off x="791029" y="1757260"/>
+            <a:ext cx="10609942" cy="4549835"/>
+          </a:xfrm>
+          <a:prstGeom prst="rect">
+            <a:avLst/>
+          </a:prstGeom>
+          <a:noFill/>
+        </p:spPr>
+        <p:txBody>
+          <a:bodyPr wrap="square" rtlCol="0">
+            <a:spAutoFit/>
+          </a:bodyPr>
+          <a:lstStyle/>
+          <a:p>
+            <a:pPr>
+              <a:lnSpc>
+                <a:spcPct val="150000"/>
+              </a:lnSpc>
+            </a:pPr>
+            <a:r>
+              <a:rPr lang="ru-RU" sz="2800" dirty="0">
+                <a:latin typeface="Montserrat" panose="00000500000000000000" pitchFamily="2" charset="-52"/>
+              </a:rPr>
+              <a:t>Во многих учебных заведениях существует проблема. Нет возможности анонимно оставить отзыв о качестве образования.</a:t>
+            </a:r>
+          </a:p>
+          <a:p>
+            <a:pPr>
+              <a:lnSpc>
+                <a:spcPct val="150000"/>
+              </a:lnSpc>
+            </a:pPr>
+            <a:r>
+              <a:rPr lang="ru-RU" sz="2800" dirty="0">
+                <a:latin typeface="Montserrat" panose="00000500000000000000" pitchFamily="2" charset="-52"/>
+              </a:rPr>
+              <a:t>Сейчас всё это делается через посредников, что не гарантирует анонимность.</a:t>
+            </a:r>
+          </a:p>
+          <a:p>
+            <a:pPr>
+              <a:lnSpc>
+                <a:spcPct val="150000"/>
+              </a:lnSpc>
+            </a:pPr>
+            <a:r>
+              <a:rPr lang="ru-RU" sz="2800" dirty="0">
+                <a:latin typeface="Montserrat" panose="00000500000000000000" pitchFamily="2" charset="-52"/>
+              </a:rPr>
+              <a:t>Люди обидчивы, и например если отзыв будет касаться какого-либо преподавателя, в конечном итоге это может коснуться будущего студента оставившего отзыв.</a:t>
             </a:r>
           </a:p>
         </p:txBody>
@@ -3801,13 +4444,1448 @@
     </p:spTree>
     <p:extLst>
       <p:ext uri="{BB962C8B-B14F-4D97-AF65-F5344CB8AC3E}">
-        <p14:creationId xmlns:p14="http://schemas.microsoft.com/office/powerpoint/2010/main" val="2298706615"/>
+        <p14:creationId xmlns:p14="http://schemas.microsoft.com/office/powerpoint/2010/main" val="3481548332"/>
       </p:ext>
     </p:extLst>
   </p:cSld>
   <p:clrMapOvr>
     <a:masterClrMapping/>
   </p:clrMapOvr>
+  <p:timing>
+    <p:tnLst>
+      <p:par>
+        <p:cTn id="1" dur="indefinite" restart="never" nodeType="tmRoot">
+          <p:childTnLst>
+            <p:seq concurrent="1" nextAc="seek">
+              <p:cTn id="2" dur="indefinite" nodeType="mainSeq">
+                <p:childTnLst>
+                  <p:par>
+                    <p:cTn id="3" fill="hold">
+                      <p:stCondLst>
+                        <p:cond delay="indefinite"/>
+                        <p:cond evt="onBegin" delay="0">
+                          <p:tn val="2"/>
+                        </p:cond>
+                      </p:stCondLst>
+                      <p:childTnLst>
+                        <p:par>
+                          <p:cTn id="4" fill="hold">
+                            <p:stCondLst>
+                              <p:cond delay="0"/>
+                            </p:stCondLst>
+                            <p:childTnLst>
+                              <p:par>
+                                <p:cTn id="5" presetID="10" presetClass="entr" presetSubtype="0" fill="hold" grpId="0" nodeType="withEffect">
+                                  <p:stCondLst>
+                                    <p:cond delay="0"/>
+                                  </p:stCondLst>
+                                  <p:childTnLst>
+                                    <p:set>
+                                      <p:cBhvr>
+                                        <p:cTn id="6" dur="1" fill="hold">
+                                          <p:stCondLst>
+                                            <p:cond delay="0"/>
+                                          </p:stCondLst>
+                                        </p:cTn>
+                                        <p:tgtEl>
+                                          <p:spTgt spid="2"/>
+                                        </p:tgtEl>
+                                        <p:attrNameLst>
+                                          <p:attrName>style.visibility</p:attrName>
+                                        </p:attrNameLst>
+                                      </p:cBhvr>
+                                      <p:to>
+                                        <p:strVal val="visible"/>
+                                      </p:to>
+                                    </p:set>
+                                    <p:animEffect transition="in" filter="fade">
+                                      <p:cBhvr>
+                                        <p:cTn id="7" dur="1000"/>
+                                        <p:tgtEl>
+                                          <p:spTgt spid="2"/>
+                                        </p:tgtEl>
+                                      </p:cBhvr>
+                                    </p:animEffect>
+                                  </p:childTnLst>
+                                </p:cTn>
+                              </p:par>
+                            </p:childTnLst>
+                          </p:cTn>
+                        </p:par>
+                      </p:childTnLst>
+                    </p:cTn>
+                  </p:par>
+                </p:childTnLst>
+              </p:cTn>
+              <p:prevCondLst>
+                <p:cond evt="onPrev" delay="0">
+                  <p:tgtEl>
+                    <p:sldTgt/>
+                  </p:tgtEl>
+                </p:cond>
+              </p:prevCondLst>
+              <p:nextCondLst>
+                <p:cond evt="onNext" delay="0">
+                  <p:tgtEl>
+                    <p:sldTgt/>
+                  </p:tgtEl>
+                </p:cond>
+              </p:nextCondLst>
+            </p:seq>
+          </p:childTnLst>
+        </p:cTn>
+      </p:par>
+    </p:tnLst>
+    <p:bldLst>
+      <p:bldP spid="2" grpId="0"/>
+    </p:bldLst>
+  </p:timing>
+</p:sld>
+</file>
+
+<file path=ppt/slides/slide4.xml><?xml version="1.0" encoding="utf-8"?>
+<p:sld xmlns:a="http://schemas.openxmlformats.org/drawingml/2006/main" xmlns:r="http://schemas.openxmlformats.org/officeDocument/2006/relationships" xmlns:p="http://schemas.openxmlformats.org/presentationml/2006/main">
+  <p:cSld>
+    <p:spTree>
+      <p:nvGrpSpPr>
+        <p:cNvPr id="1" name=""/>
+        <p:cNvGrpSpPr/>
+        <p:nvPr/>
+      </p:nvGrpSpPr>
+      <p:grpSpPr>
+        <a:xfrm>
+          <a:off x="0" y="0"/>
+          <a:ext cx="0" cy="0"/>
+          <a:chOff x="0" y="0"/>
+          <a:chExt cx="0" cy="0"/>
+        </a:xfrm>
+      </p:grpSpPr>
+      <p:sp>
+        <p:nvSpPr>
+          <p:cNvPr id="4" name="Прямоугольник 3">
+            <a:extLst>
+              <a:ext uri="{FF2B5EF4-FFF2-40B4-BE49-F238E27FC236}">
+                <a16:creationId xmlns:a16="http://schemas.microsoft.com/office/drawing/2014/main" id="{D744DC60-29D7-4107-BF24-9CA85085F51D}"/>
+              </a:ext>
+            </a:extLst>
+          </p:cNvPr>
+          <p:cNvSpPr/>
+          <p:nvPr/>
+        </p:nvSpPr>
+        <p:spPr>
+          <a:xfrm>
+            <a:off x="226503" y="192947"/>
+            <a:ext cx="3199915" cy="646331"/>
+          </a:xfrm>
+          <a:prstGeom prst="rect">
+            <a:avLst/>
+          </a:prstGeom>
+        </p:spPr>
+        <p:txBody>
+          <a:bodyPr wrap="none">
+            <a:spAutoFit/>
+          </a:bodyPr>
+          <a:lstStyle/>
+          <a:p>
+            <a:r>
+              <a:rPr lang="ru-RU" sz="3600" b="1" dirty="0">
+                <a:solidFill>
+                  <a:schemeClr val="tx1">
+                    <a:lumMod val="50000"/>
+                    <a:lumOff val="50000"/>
+                  </a:schemeClr>
+                </a:solidFill>
+                <a:latin typeface="Montserrat" panose="00000500000000000000" pitchFamily="2" charset="-52"/>
+              </a:rPr>
+              <a:t>Наше решение</a:t>
+            </a:r>
+          </a:p>
+        </p:txBody>
+      </p:sp>
+      <p:sp>
+        <p:nvSpPr>
+          <p:cNvPr id="2" name="TextBox 1">
+            <a:extLst>
+              <a:ext uri="{FF2B5EF4-FFF2-40B4-BE49-F238E27FC236}">
+                <a16:creationId xmlns:a16="http://schemas.microsoft.com/office/drawing/2014/main" id="{0103A899-6D10-49E9-8A51-97CA9380A77D}"/>
+              </a:ext>
+            </a:extLst>
+          </p:cNvPr>
+          <p:cNvSpPr txBox="1"/>
+          <p:nvPr/>
+        </p:nvSpPr>
+        <p:spPr>
+          <a:xfrm>
+            <a:off x="791029" y="1757260"/>
+            <a:ext cx="5304971" cy="2610843"/>
+          </a:xfrm>
+          <a:prstGeom prst="rect">
+            <a:avLst/>
+          </a:prstGeom>
+          <a:noFill/>
+        </p:spPr>
+        <p:txBody>
+          <a:bodyPr wrap="square" rtlCol="0">
+            <a:spAutoFit/>
+          </a:bodyPr>
+          <a:lstStyle/>
+          <a:p>
+            <a:pPr>
+              <a:lnSpc>
+                <a:spcPct val="150000"/>
+              </a:lnSpc>
+            </a:pPr>
+            <a:r>
+              <a:rPr lang="ru-RU" sz="2800" dirty="0">
+                <a:latin typeface="Montserrat" panose="00000500000000000000" pitchFamily="2" charset="-52"/>
+              </a:rPr>
+              <a:t>Мы создали портал на котором любой авторизованный пользователь имеет возможность отправить отзыв.</a:t>
+            </a:r>
+          </a:p>
+        </p:txBody>
+      </p:sp>
+    </p:spTree>
+    <p:extLst>
+      <p:ext uri="{BB962C8B-B14F-4D97-AF65-F5344CB8AC3E}">
+        <p14:creationId xmlns:p14="http://schemas.microsoft.com/office/powerpoint/2010/main" val="2122385834"/>
+      </p:ext>
+    </p:extLst>
+  </p:cSld>
+  <p:clrMapOvr>
+    <a:masterClrMapping/>
+  </p:clrMapOvr>
+  <p:timing>
+    <p:tnLst>
+      <p:par>
+        <p:cTn id="1" dur="indefinite" restart="never" nodeType="tmRoot">
+          <p:childTnLst>
+            <p:seq concurrent="1" nextAc="seek">
+              <p:cTn id="2" dur="indefinite" nodeType="mainSeq">
+                <p:childTnLst>
+                  <p:par>
+                    <p:cTn id="3" fill="hold">
+                      <p:stCondLst>
+                        <p:cond delay="indefinite"/>
+                        <p:cond evt="onBegin" delay="0">
+                          <p:tn val="2"/>
+                        </p:cond>
+                      </p:stCondLst>
+                      <p:childTnLst>
+                        <p:par>
+                          <p:cTn id="4" fill="hold">
+                            <p:stCondLst>
+                              <p:cond delay="0"/>
+                            </p:stCondLst>
+                            <p:childTnLst>
+                              <p:par>
+                                <p:cTn id="5" presetID="10" presetClass="entr" presetSubtype="0" fill="hold" grpId="0" nodeType="withEffect">
+                                  <p:stCondLst>
+                                    <p:cond delay="0"/>
+                                  </p:stCondLst>
+                                  <p:childTnLst>
+                                    <p:set>
+                                      <p:cBhvr>
+                                        <p:cTn id="6" dur="1" fill="hold">
+                                          <p:stCondLst>
+                                            <p:cond delay="0"/>
+                                          </p:stCondLst>
+                                        </p:cTn>
+                                        <p:tgtEl>
+                                          <p:spTgt spid="2"/>
+                                        </p:tgtEl>
+                                        <p:attrNameLst>
+                                          <p:attrName>style.visibility</p:attrName>
+                                        </p:attrNameLst>
+                                      </p:cBhvr>
+                                      <p:to>
+                                        <p:strVal val="visible"/>
+                                      </p:to>
+                                    </p:set>
+                                    <p:animEffect transition="in" filter="fade">
+                                      <p:cBhvr>
+                                        <p:cTn id="7" dur="500"/>
+                                        <p:tgtEl>
+                                          <p:spTgt spid="2"/>
+                                        </p:tgtEl>
+                                      </p:cBhvr>
+                                    </p:animEffect>
+                                  </p:childTnLst>
+                                </p:cTn>
+                              </p:par>
+                            </p:childTnLst>
+                          </p:cTn>
+                        </p:par>
+                      </p:childTnLst>
+                    </p:cTn>
+                  </p:par>
+                </p:childTnLst>
+              </p:cTn>
+              <p:prevCondLst>
+                <p:cond evt="onPrev" delay="0">
+                  <p:tgtEl>
+                    <p:sldTgt/>
+                  </p:tgtEl>
+                </p:cond>
+              </p:prevCondLst>
+              <p:nextCondLst>
+                <p:cond evt="onNext" delay="0">
+                  <p:tgtEl>
+                    <p:sldTgt/>
+                  </p:tgtEl>
+                </p:cond>
+              </p:nextCondLst>
+            </p:seq>
+          </p:childTnLst>
+        </p:cTn>
+      </p:par>
+    </p:tnLst>
+    <p:bldLst>
+      <p:bldP spid="2" grpId="0"/>
+    </p:bldLst>
+  </p:timing>
+</p:sld>
+</file>
+
+<file path=ppt/slides/slide5.xml><?xml version="1.0" encoding="utf-8"?>
+<p:sld xmlns:a="http://schemas.openxmlformats.org/drawingml/2006/main" xmlns:r="http://schemas.openxmlformats.org/officeDocument/2006/relationships" xmlns:p="http://schemas.openxmlformats.org/presentationml/2006/main">
+  <p:cSld>
+    <p:spTree>
+      <p:nvGrpSpPr>
+        <p:cNvPr id="1" name=""/>
+        <p:cNvGrpSpPr/>
+        <p:nvPr/>
+      </p:nvGrpSpPr>
+      <p:grpSpPr>
+        <a:xfrm>
+          <a:off x="0" y="0"/>
+          <a:ext cx="0" cy="0"/>
+          <a:chOff x="0" y="0"/>
+          <a:chExt cx="0" cy="0"/>
+        </a:xfrm>
+      </p:grpSpPr>
+      <p:sp>
+        <p:nvSpPr>
+          <p:cNvPr id="4" name="Прямоугольник 3">
+            <a:extLst>
+              <a:ext uri="{FF2B5EF4-FFF2-40B4-BE49-F238E27FC236}">
+                <a16:creationId xmlns:a16="http://schemas.microsoft.com/office/drawing/2014/main" id="{D744DC60-29D7-4107-BF24-9CA85085F51D}"/>
+              </a:ext>
+            </a:extLst>
+          </p:cNvPr>
+          <p:cNvSpPr/>
+          <p:nvPr/>
+        </p:nvSpPr>
+        <p:spPr>
+          <a:xfrm>
+            <a:off x="226503" y="192947"/>
+            <a:ext cx="3199915" cy="646331"/>
+          </a:xfrm>
+          <a:prstGeom prst="rect">
+            <a:avLst/>
+          </a:prstGeom>
+        </p:spPr>
+        <p:txBody>
+          <a:bodyPr wrap="none">
+            <a:spAutoFit/>
+          </a:bodyPr>
+          <a:lstStyle/>
+          <a:p>
+            <a:r>
+              <a:rPr lang="ru-RU" sz="3600" b="1" dirty="0">
+                <a:solidFill>
+                  <a:schemeClr val="tx1">
+                    <a:lumMod val="50000"/>
+                    <a:lumOff val="50000"/>
+                  </a:schemeClr>
+                </a:solidFill>
+                <a:latin typeface="Montserrat" panose="00000500000000000000" pitchFamily="2" charset="-52"/>
+              </a:rPr>
+              <a:t>Наше решение</a:t>
+            </a:r>
+          </a:p>
+        </p:txBody>
+      </p:sp>
+      <p:sp>
+        <p:nvSpPr>
+          <p:cNvPr id="2" name="TextBox 1">
+            <a:extLst>
+              <a:ext uri="{FF2B5EF4-FFF2-40B4-BE49-F238E27FC236}">
+                <a16:creationId xmlns:a16="http://schemas.microsoft.com/office/drawing/2014/main" id="{0103A899-6D10-49E9-8A51-97CA9380A77D}"/>
+              </a:ext>
+            </a:extLst>
+          </p:cNvPr>
+          <p:cNvSpPr txBox="1"/>
+          <p:nvPr/>
+        </p:nvSpPr>
+        <p:spPr>
+          <a:xfrm>
+            <a:off x="791029" y="1757260"/>
+            <a:ext cx="5304971" cy="3257174"/>
+          </a:xfrm>
+          <a:prstGeom prst="rect">
+            <a:avLst/>
+          </a:prstGeom>
+          <a:noFill/>
+        </p:spPr>
+        <p:txBody>
+          <a:bodyPr wrap="square" rtlCol="0">
+            <a:spAutoFit/>
+          </a:bodyPr>
+          <a:lstStyle/>
+          <a:p>
+            <a:pPr>
+              <a:lnSpc>
+                <a:spcPct val="150000"/>
+              </a:lnSpc>
+            </a:pPr>
+            <a:r>
+              <a:rPr lang="ru-RU" sz="2800" dirty="0">
+                <a:latin typeface="Montserrat" panose="00000500000000000000" pitchFamily="2" charset="-52"/>
+              </a:rPr>
+              <a:t>Администраторы портала, могут просматривать отправленные отзывы, в будущем планируется добавить возможность отвечать на отзывы.</a:t>
+            </a:r>
+          </a:p>
+        </p:txBody>
+      </p:sp>
+    </p:spTree>
+    <p:extLst>
+      <p:ext uri="{BB962C8B-B14F-4D97-AF65-F5344CB8AC3E}">
+        <p14:creationId xmlns:p14="http://schemas.microsoft.com/office/powerpoint/2010/main" val="2759312029"/>
+      </p:ext>
+    </p:extLst>
+  </p:cSld>
+  <p:clrMapOvr>
+    <a:masterClrMapping/>
+  </p:clrMapOvr>
+  <p:timing>
+    <p:tnLst>
+      <p:par>
+        <p:cTn id="1" dur="indefinite" restart="never" nodeType="tmRoot">
+          <p:childTnLst>
+            <p:seq concurrent="1" nextAc="seek">
+              <p:cTn id="2" dur="indefinite" nodeType="mainSeq">
+                <p:childTnLst>
+                  <p:par>
+                    <p:cTn id="3" fill="hold">
+                      <p:stCondLst>
+                        <p:cond delay="indefinite"/>
+                        <p:cond evt="onBegin" delay="0">
+                          <p:tn val="2"/>
+                        </p:cond>
+                      </p:stCondLst>
+                      <p:childTnLst>
+                        <p:par>
+                          <p:cTn id="4" fill="hold">
+                            <p:stCondLst>
+                              <p:cond delay="0"/>
+                            </p:stCondLst>
+                            <p:childTnLst>
+                              <p:par>
+                                <p:cTn id="5" presetID="10" presetClass="entr" presetSubtype="0" fill="hold" grpId="0" nodeType="withEffect">
+                                  <p:stCondLst>
+                                    <p:cond delay="0"/>
+                                  </p:stCondLst>
+                                  <p:childTnLst>
+                                    <p:set>
+                                      <p:cBhvr>
+                                        <p:cTn id="6" dur="1" fill="hold">
+                                          <p:stCondLst>
+                                            <p:cond delay="0"/>
+                                          </p:stCondLst>
+                                        </p:cTn>
+                                        <p:tgtEl>
+                                          <p:spTgt spid="2"/>
+                                        </p:tgtEl>
+                                        <p:attrNameLst>
+                                          <p:attrName>style.visibility</p:attrName>
+                                        </p:attrNameLst>
+                                      </p:cBhvr>
+                                      <p:to>
+                                        <p:strVal val="visible"/>
+                                      </p:to>
+                                    </p:set>
+                                    <p:animEffect transition="in" filter="fade">
+                                      <p:cBhvr>
+                                        <p:cTn id="7" dur="1000"/>
+                                        <p:tgtEl>
+                                          <p:spTgt spid="2"/>
+                                        </p:tgtEl>
+                                      </p:cBhvr>
+                                    </p:animEffect>
+                                  </p:childTnLst>
+                                </p:cTn>
+                              </p:par>
+                            </p:childTnLst>
+                          </p:cTn>
+                        </p:par>
+                      </p:childTnLst>
+                    </p:cTn>
+                  </p:par>
+                </p:childTnLst>
+              </p:cTn>
+              <p:prevCondLst>
+                <p:cond evt="onPrev" delay="0">
+                  <p:tgtEl>
+                    <p:sldTgt/>
+                  </p:tgtEl>
+                </p:cond>
+              </p:prevCondLst>
+              <p:nextCondLst>
+                <p:cond evt="onNext" delay="0">
+                  <p:tgtEl>
+                    <p:sldTgt/>
+                  </p:tgtEl>
+                </p:cond>
+              </p:nextCondLst>
+            </p:seq>
+          </p:childTnLst>
+        </p:cTn>
+      </p:par>
+    </p:tnLst>
+    <p:bldLst>
+      <p:bldP spid="2" grpId="0"/>
+    </p:bldLst>
+  </p:timing>
+</p:sld>
+</file>
+
+<file path=ppt/slides/slide6.xml><?xml version="1.0" encoding="utf-8"?>
+<p:sld xmlns:a="http://schemas.openxmlformats.org/drawingml/2006/main" xmlns:r="http://schemas.openxmlformats.org/officeDocument/2006/relationships" xmlns:p="http://schemas.openxmlformats.org/presentationml/2006/main">
+  <p:cSld>
+    <p:spTree>
+      <p:nvGrpSpPr>
+        <p:cNvPr id="1" name=""/>
+        <p:cNvGrpSpPr/>
+        <p:nvPr/>
+      </p:nvGrpSpPr>
+      <p:grpSpPr>
+        <a:xfrm>
+          <a:off x="0" y="0"/>
+          <a:ext cx="0" cy="0"/>
+          <a:chOff x="0" y="0"/>
+          <a:chExt cx="0" cy="0"/>
+        </a:xfrm>
+      </p:grpSpPr>
+      <p:sp>
+        <p:nvSpPr>
+          <p:cNvPr id="4" name="Прямоугольник 3">
+            <a:extLst>
+              <a:ext uri="{FF2B5EF4-FFF2-40B4-BE49-F238E27FC236}">
+                <a16:creationId xmlns:a16="http://schemas.microsoft.com/office/drawing/2014/main" id="{D744DC60-29D7-4107-BF24-9CA85085F51D}"/>
+              </a:ext>
+            </a:extLst>
+          </p:cNvPr>
+          <p:cNvSpPr/>
+          <p:nvPr/>
+        </p:nvSpPr>
+        <p:spPr>
+          <a:xfrm>
+            <a:off x="226503" y="192947"/>
+            <a:ext cx="3199915" cy="646331"/>
+          </a:xfrm>
+          <a:prstGeom prst="rect">
+            <a:avLst/>
+          </a:prstGeom>
+        </p:spPr>
+        <p:txBody>
+          <a:bodyPr wrap="none">
+            <a:spAutoFit/>
+          </a:bodyPr>
+          <a:lstStyle/>
+          <a:p>
+            <a:r>
+              <a:rPr lang="ru-RU" sz="3600" b="1" dirty="0">
+                <a:solidFill>
+                  <a:schemeClr val="tx1">
+                    <a:lumMod val="50000"/>
+                    <a:lumOff val="50000"/>
+                  </a:schemeClr>
+                </a:solidFill>
+                <a:latin typeface="Montserrat" panose="00000500000000000000" pitchFamily="2" charset="-52"/>
+              </a:rPr>
+              <a:t>Наше решение</a:t>
+            </a:r>
+          </a:p>
+        </p:txBody>
+      </p:sp>
+      <p:sp>
+        <p:nvSpPr>
+          <p:cNvPr id="2" name="TextBox 1">
+            <a:extLst>
+              <a:ext uri="{FF2B5EF4-FFF2-40B4-BE49-F238E27FC236}">
+                <a16:creationId xmlns:a16="http://schemas.microsoft.com/office/drawing/2014/main" id="{0103A899-6D10-49E9-8A51-97CA9380A77D}"/>
+              </a:ext>
+            </a:extLst>
+          </p:cNvPr>
+          <p:cNvSpPr txBox="1"/>
+          <p:nvPr/>
+        </p:nvSpPr>
+        <p:spPr>
+          <a:xfrm>
+            <a:off x="791029" y="1757260"/>
+            <a:ext cx="5304971" cy="3257174"/>
+          </a:xfrm>
+          <a:prstGeom prst="rect">
+            <a:avLst/>
+          </a:prstGeom>
+          <a:noFill/>
+        </p:spPr>
+        <p:txBody>
+          <a:bodyPr wrap="square" rtlCol="0">
+            <a:spAutoFit/>
+          </a:bodyPr>
+          <a:lstStyle/>
+          <a:p>
+            <a:pPr>
+              <a:lnSpc>
+                <a:spcPct val="150000"/>
+              </a:lnSpc>
+            </a:pPr>
+            <a:r>
+              <a:rPr lang="ru-RU" sz="2800" dirty="0">
+                <a:latin typeface="Montserrat" panose="00000500000000000000" pitchFamily="2" charset="-52"/>
+              </a:rPr>
+              <a:t>Отзыв может быть абсолютно любой, а благодаря машинному обучению мы можем классифицировать его и понять позитивный он или негативный.</a:t>
+            </a:r>
+          </a:p>
+        </p:txBody>
+      </p:sp>
+    </p:spTree>
+    <p:extLst>
+      <p:ext uri="{BB962C8B-B14F-4D97-AF65-F5344CB8AC3E}">
+        <p14:creationId xmlns:p14="http://schemas.microsoft.com/office/powerpoint/2010/main" val="735196098"/>
+      </p:ext>
+    </p:extLst>
+  </p:cSld>
+  <p:clrMapOvr>
+    <a:masterClrMapping/>
+  </p:clrMapOvr>
+  <p:timing>
+    <p:tnLst>
+      <p:par>
+        <p:cTn id="1" dur="indefinite" restart="never" nodeType="tmRoot">
+          <p:childTnLst>
+            <p:seq concurrent="1" nextAc="seek">
+              <p:cTn id="2" dur="indefinite" nodeType="mainSeq">
+                <p:childTnLst>
+                  <p:par>
+                    <p:cTn id="3" fill="hold">
+                      <p:stCondLst>
+                        <p:cond delay="indefinite"/>
+                        <p:cond evt="onBegin" delay="0">
+                          <p:tn val="2"/>
+                        </p:cond>
+                      </p:stCondLst>
+                      <p:childTnLst>
+                        <p:par>
+                          <p:cTn id="4" fill="hold">
+                            <p:stCondLst>
+                              <p:cond delay="0"/>
+                            </p:stCondLst>
+                            <p:childTnLst>
+                              <p:par>
+                                <p:cTn id="5" presetID="10" presetClass="entr" presetSubtype="0" fill="hold" grpId="0" nodeType="withEffect">
+                                  <p:stCondLst>
+                                    <p:cond delay="0"/>
+                                  </p:stCondLst>
+                                  <p:childTnLst>
+                                    <p:set>
+                                      <p:cBhvr>
+                                        <p:cTn id="6" dur="1" fill="hold">
+                                          <p:stCondLst>
+                                            <p:cond delay="0"/>
+                                          </p:stCondLst>
+                                        </p:cTn>
+                                        <p:tgtEl>
+                                          <p:spTgt spid="2"/>
+                                        </p:tgtEl>
+                                        <p:attrNameLst>
+                                          <p:attrName>style.visibility</p:attrName>
+                                        </p:attrNameLst>
+                                      </p:cBhvr>
+                                      <p:to>
+                                        <p:strVal val="visible"/>
+                                      </p:to>
+                                    </p:set>
+                                    <p:animEffect transition="in" filter="fade">
+                                      <p:cBhvr>
+                                        <p:cTn id="7" dur="1000"/>
+                                        <p:tgtEl>
+                                          <p:spTgt spid="2"/>
+                                        </p:tgtEl>
+                                      </p:cBhvr>
+                                    </p:animEffect>
+                                  </p:childTnLst>
+                                </p:cTn>
+                              </p:par>
+                            </p:childTnLst>
+                          </p:cTn>
+                        </p:par>
+                      </p:childTnLst>
+                    </p:cTn>
+                  </p:par>
+                </p:childTnLst>
+              </p:cTn>
+              <p:prevCondLst>
+                <p:cond evt="onPrev" delay="0">
+                  <p:tgtEl>
+                    <p:sldTgt/>
+                  </p:tgtEl>
+                </p:cond>
+              </p:prevCondLst>
+              <p:nextCondLst>
+                <p:cond evt="onNext" delay="0">
+                  <p:tgtEl>
+                    <p:sldTgt/>
+                  </p:tgtEl>
+                </p:cond>
+              </p:nextCondLst>
+            </p:seq>
+          </p:childTnLst>
+        </p:cTn>
+      </p:par>
+    </p:tnLst>
+    <p:bldLst>
+      <p:bldP spid="2" grpId="0"/>
+    </p:bldLst>
+  </p:timing>
+</p:sld>
+</file>
+
+<file path=ppt/slides/slide7.xml><?xml version="1.0" encoding="utf-8"?>
+<p:sld xmlns:a="http://schemas.openxmlformats.org/drawingml/2006/main" xmlns:r="http://schemas.openxmlformats.org/officeDocument/2006/relationships" xmlns:p="http://schemas.openxmlformats.org/presentationml/2006/main">
+  <p:cSld>
+    <p:spTree>
+      <p:nvGrpSpPr>
+        <p:cNvPr id="1" name=""/>
+        <p:cNvGrpSpPr/>
+        <p:nvPr/>
+      </p:nvGrpSpPr>
+      <p:grpSpPr>
+        <a:xfrm>
+          <a:off x="0" y="0"/>
+          <a:ext cx="0" cy="0"/>
+          <a:chOff x="0" y="0"/>
+          <a:chExt cx="0" cy="0"/>
+        </a:xfrm>
+      </p:grpSpPr>
+      <p:sp>
+        <p:nvSpPr>
+          <p:cNvPr id="4" name="Прямоугольник 3">
+            <a:extLst>
+              <a:ext uri="{FF2B5EF4-FFF2-40B4-BE49-F238E27FC236}">
+                <a16:creationId xmlns:a16="http://schemas.microsoft.com/office/drawing/2014/main" id="{D744DC60-29D7-4107-BF24-9CA85085F51D}"/>
+              </a:ext>
+            </a:extLst>
+          </p:cNvPr>
+          <p:cNvSpPr/>
+          <p:nvPr/>
+        </p:nvSpPr>
+        <p:spPr>
+          <a:xfrm>
+            <a:off x="226503" y="192947"/>
+            <a:ext cx="3199915" cy="646331"/>
+          </a:xfrm>
+          <a:prstGeom prst="rect">
+            <a:avLst/>
+          </a:prstGeom>
+        </p:spPr>
+        <p:txBody>
+          <a:bodyPr wrap="none">
+            <a:spAutoFit/>
+          </a:bodyPr>
+          <a:lstStyle/>
+          <a:p>
+            <a:r>
+              <a:rPr lang="ru-RU" sz="3600" b="1" dirty="0">
+                <a:solidFill>
+                  <a:schemeClr val="tx1">
+                    <a:lumMod val="50000"/>
+                    <a:lumOff val="50000"/>
+                  </a:schemeClr>
+                </a:solidFill>
+                <a:latin typeface="Montserrat" panose="00000500000000000000" pitchFamily="2" charset="-52"/>
+              </a:rPr>
+              <a:t>Наше решение</a:t>
+            </a:r>
+          </a:p>
+        </p:txBody>
+      </p:sp>
+      <p:sp>
+        <p:nvSpPr>
+          <p:cNvPr id="2" name="TextBox 1">
+            <a:extLst>
+              <a:ext uri="{FF2B5EF4-FFF2-40B4-BE49-F238E27FC236}">
+                <a16:creationId xmlns:a16="http://schemas.microsoft.com/office/drawing/2014/main" id="{0103A899-6D10-49E9-8A51-97CA9380A77D}"/>
+              </a:ext>
+            </a:extLst>
+          </p:cNvPr>
+          <p:cNvSpPr txBox="1"/>
+          <p:nvPr/>
+        </p:nvSpPr>
+        <p:spPr>
+          <a:xfrm>
+            <a:off x="791029" y="1757260"/>
+            <a:ext cx="5304971" cy="3903504"/>
+          </a:xfrm>
+          <a:prstGeom prst="rect">
+            <a:avLst/>
+          </a:prstGeom>
+          <a:noFill/>
+        </p:spPr>
+        <p:txBody>
+          <a:bodyPr wrap="square" rtlCol="0">
+            <a:spAutoFit/>
+          </a:bodyPr>
+          <a:lstStyle/>
+          <a:p>
+            <a:pPr>
+              <a:lnSpc>
+                <a:spcPct val="150000"/>
+              </a:lnSpc>
+            </a:pPr>
+            <a:r>
+              <a:rPr lang="ru-RU" sz="2800" dirty="0">
+                <a:latin typeface="Montserrat" panose="00000500000000000000" pitchFamily="2" charset="-52"/>
+              </a:rPr>
+              <a:t>Добавили навык в </a:t>
+            </a:r>
+            <a:r>
+              <a:rPr lang="ru-RU" sz="2800" dirty="0" err="1">
+                <a:latin typeface="Montserrat" panose="00000500000000000000" pitchFamily="2" charset="-52"/>
+              </a:rPr>
+              <a:t>Яндекс.Станцию</a:t>
+            </a:r>
+            <a:r>
+              <a:rPr lang="ru-RU" sz="2800" dirty="0">
+                <a:latin typeface="Montserrat" panose="00000500000000000000" pitchFamily="2" charset="-52"/>
+              </a:rPr>
+              <a:t> где вы можете в голосовой форме оставить отзыв. Просто, потому что мы можем это сделать, ну а вдруг это удобно.</a:t>
+            </a:r>
+          </a:p>
+        </p:txBody>
+      </p:sp>
+    </p:spTree>
+    <p:extLst>
+      <p:ext uri="{BB962C8B-B14F-4D97-AF65-F5344CB8AC3E}">
+        <p14:creationId xmlns:p14="http://schemas.microsoft.com/office/powerpoint/2010/main" val="2212685182"/>
+      </p:ext>
+    </p:extLst>
+  </p:cSld>
+  <p:clrMapOvr>
+    <a:masterClrMapping/>
+  </p:clrMapOvr>
+  <p:timing>
+    <p:tnLst>
+      <p:par>
+        <p:cTn id="1" dur="indefinite" restart="never" nodeType="tmRoot">
+          <p:childTnLst>
+            <p:seq concurrent="1" nextAc="seek">
+              <p:cTn id="2" dur="indefinite" nodeType="mainSeq">
+                <p:childTnLst>
+                  <p:par>
+                    <p:cTn id="3" fill="hold">
+                      <p:stCondLst>
+                        <p:cond delay="indefinite"/>
+                        <p:cond evt="onBegin" delay="0">
+                          <p:tn val="2"/>
+                        </p:cond>
+                      </p:stCondLst>
+                      <p:childTnLst>
+                        <p:par>
+                          <p:cTn id="4" fill="hold">
+                            <p:stCondLst>
+                              <p:cond delay="0"/>
+                            </p:stCondLst>
+                            <p:childTnLst>
+                              <p:par>
+                                <p:cTn id="5" presetID="10" presetClass="entr" presetSubtype="0" fill="hold" grpId="0" nodeType="withEffect">
+                                  <p:stCondLst>
+                                    <p:cond delay="0"/>
+                                  </p:stCondLst>
+                                  <p:childTnLst>
+                                    <p:set>
+                                      <p:cBhvr>
+                                        <p:cTn id="6" dur="1" fill="hold">
+                                          <p:stCondLst>
+                                            <p:cond delay="0"/>
+                                          </p:stCondLst>
+                                        </p:cTn>
+                                        <p:tgtEl>
+                                          <p:spTgt spid="2"/>
+                                        </p:tgtEl>
+                                        <p:attrNameLst>
+                                          <p:attrName>style.visibility</p:attrName>
+                                        </p:attrNameLst>
+                                      </p:cBhvr>
+                                      <p:to>
+                                        <p:strVal val="visible"/>
+                                      </p:to>
+                                    </p:set>
+                                    <p:animEffect transition="in" filter="fade">
+                                      <p:cBhvr>
+                                        <p:cTn id="7" dur="1000"/>
+                                        <p:tgtEl>
+                                          <p:spTgt spid="2"/>
+                                        </p:tgtEl>
+                                      </p:cBhvr>
+                                    </p:animEffect>
+                                  </p:childTnLst>
+                                </p:cTn>
+                              </p:par>
+                            </p:childTnLst>
+                          </p:cTn>
+                        </p:par>
+                      </p:childTnLst>
+                    </p:cTn>
+                  </p:par>
+                </p:childTnLst>
+              </p:cTn>
+              <p:prevCondLst>
+                <p:cond evt="onPrev" delay="0">
+                  <p:tgtEl>
+                    <p:sldTgt/>
+                  </p:tgtEl>
+                </p:cond>
+              </p:prevCondLst>
+              <p:nextCondLst>
+                <p:cond evt="onNext" delay="0">
+                  <p:tgtEl>
+                    <p:sldTgt/>
+                  </p:tgtEl>
+                </p:cond>
+              </p:nextCondLst>
+            </p:seq>
+          </p:childTnLst>
+        </p:cTn>
+      </p:par>
+    </p:tnLst>
+    <p:bldLst>
+      <p:bldP spid="2" grpId="0"/>
+    </p:bldLst>
+  </p:timing>
+</p:sld>
+</file>
+
+<file path=ppt/slides/slide8.xml><?xml version="1.0" encoding="utf-8"?>
+<p:sld xmlns:a="http://schemas.openxmlformats.org/drawingml/2006/main" xmlns:r="http://schemas.openxmlformats.org/officeDocument/2006/relationships" xmlns:p="http://schemas.openxmlformats.org/presentationml/2006/main">
+  <p:cSld>
+    <p:spTree>
+      <p:nvGrpSpPr>
+        <p:cNvPr id="1" name=""/>
+        <p:cNvGrpSpPr/>
+        <p:nvPr/>
+      </p:nvGrpSpPr>
+      <p:grpSpPr>
+        <a:xfrm>
+          <a:off x="0" y="0"/>
+          <a:ext cx="0" cy="0"/>
+          <a:chOff x="0" y="0"/>
+          <a:chExt cx="0" cy="0"/>
+        </a:xfrm>
+      </p:grpSpPr>
+      <p:sp>
+        <p:nvSpPr>
+          <p:cNvPr id="4" name="Прямоугольник 3">
+            <a:extLst>
+              <a:ext uri="{FF2B5EF4-FFF2-40B4-BE49-F238E27FC236}">
+                <a16:creationId xmlns:a16="http://schemas.microsoft.com/office/drawing/2014/main" id="{D744DC60-29D7-4107-BF24-9CA85085F51D}"/>
+              </a:ext>
+            </a:extLst>
+          </p:cNvPr>
+          <p:cNvSpPr/>
+          <p:nvPr/>
+        </p:nvSpPr>
+        <p:spPr>
+          <a:xfrm>
+            <a:off x="226503" y="192947"/>
+            <a:ext cx="3199915" cy="646331"/>
+          </a:xfrm>
+          <a:prstGeom prst="rect">
+            <a:avLst/>
+          </a:prstGeom>
+        </p:spPr>
+        <p:txBody>
+          <a:bodyPr wrap="none">
+            <a:spAutoFit/>
+          </a:bodyPr>
+          <a:lstStyle/>
+          <a:p>
+            <a:r>
+              <a:rPr lang="ru-RU" sz="3600" b="1" dirty="0">
+                <a:solidFill>
+                  <a:schemeClr val="tx1">
+                    <a:lumMod val="50000"/>
+                    <a:lumOff val="50000"/>
+                  </a:schemeClr>
+                </a:solidFill>
+                <a:latin typeface="Montserrat" panose="00000500000000000000" pitchFamily="2" charset="-52"/>
+              </a:rPr>
+              <a:t>Наше решение</a:t>
+            </a:r>
+          </a:p>
+        </p:txBody>
+      </p:sp>
+      <p:sp>
+        <p:nvSpPr>
+          <p:cNvPr id="2" name="TextBox 1">
+            <a:extLst>
+              <a:ext uri="{FF2B5EF4-FFF2-40B4-BE49-F238E27FC236}">
+                <a16:creationId xmlns:a16="http://schemas.microsoft.com/office/drawing/2014/main" id="{0103A899-6D10-49E9-8A51-97CA9380A77D}"/>
+              </a:ext>
+            </a:extLst>
+          </p:cNvPr>
+          <p:cNvSpPr txBox="1"/>
+          <p:nvPr/>
+        </p:nvSpPr>
+        <p:spPr>
+          <a:xfrm>
+            <a:off x="791029" y="1757260"/>
+            <a:ext cx="5304971" cy="3257174"/>
+          </a:xfrm>
+          <a:prstGeom prst="rect">
+            <a:avLst/>
+          </a:prstGeom>
+          <a:noFill/>
+        </p:spPr>
+        <p:txBody>
+          <a:bodyPr wrap="square" rtlCol="0">
+            <a:spAutoFit/>
+          </a:bodyPr>
+          <a:lstStyle/>
+          <a:p>
+            <a:pPr>
+              <a:lnSpc>
+                <a:spcPct val="150000"/>
+              </a:lnSpc>
+            </a:pPr>
+            <a:r>
+              <a:rPr lang="ru-RU" sz="2800" dirty="0">
+                <a:latin typeface="Montserrat" panose="00000500000000000000" pitchFamily="2" charset="-52"/>
+              </a:rPr>
+              <a:t>Приятным бонусом стало наше </a:t>
+            </a:r>
+            <a:r>
+              <a:rPr lang="ru-RU" sz="2800" dirty="0" err="1">
+                <a:latin typeface="Montserrat" panose="00000500000000000000" pitchFamily="2" charset="-52"/>
+              </a:rPr>
+              <a:t>Android</a:t>
+            </a:r>
+            <a:r>
+              <a:rPr lang="ru-RU" sz="2800" dirty="0">
+                <a:latin typeface="Montserrat" panose="00000500000000000000" pitchFamily="2" charset="-52"/>
+              </a:rPr>
+              <a:t> приложение с личным кабинетом, расписанием и возможностью отправить фидбек используя приложения.</a:t>
+            </a:r>
+          </a:p>
+        </p:txBody>
+      </p:sp>
+      <p:pic>
+        <p:nvPicPr>
+          <p:cNvPr id="5" name="Рисунок 4">
+            <a:extLst>
+              <a:ext uri="{FF2B5EF4-FFF2-40B4-BE49-F238E27FC236}">
+                <a16:creationId xmlns:a16="http://schemas.microsoft.com/office/drawing/2014/main" id="{4F3AFB2F-33BE-412C-ACBA-163B356E68B6}"/>
+              </a:ext>
+            </a:extLst>
+          </p:cNvPr>
+          <p:cNvPicPr>
+            <a:picLocks noChangeAspect="1"/>
+          </p:cNvPicPr>
+          <p:nvPr/>
+        </p:nvPicPr>
+        <p:blipFill>
+          <a:blip r:embed="rId2"/>
+          <a:stretch>
+            <a:fillRect/>
+          </a:stretch>
+        </p:blipFill>
+        <p:spPr>
+          <a:xfrm>
+            <a:off x="7971971" y="0"/>
+            <a:ext cx="3429000" cy="6858000"/>
+          </a:xfrm>
+          <a:prstGeom prst="rect">
+            <a:avLst/>
+          </a:prstGeom>
+        </p:spPr>
+      </p:pic>
+    </p:spTree>
+    <p:extLst>
+      <p:ext uri="{BB962C8B-B14F-4D97-AF65-F5344CB8AC3E}">
+        <p14:creationId xmlns:p14="http://schemas.microsoft.com/office/powerpoint/2010/main" val="1186862278"/>
+      </p:ext>
+    </p:extLst>
+  </p:cSld>
+  <p:clrMapOvr>
+    <a:masterClrMapping/>
+  </p:clrMapOvr>
+  <p:timing>
+    <p:tnLst>
+      <p:par>
+        <p:cTn id="1" dur="indefinite" restart="never" nodeType="tmRoot">
+          <p:childTnLst>
+            <p:seq concurrent="1" nextAc="seek">
+              <p:cTn id="2" dur="indefinite" nodeType="mainSeq">
+                <p:childTnLst>
+                  <p:par>
+                    <p:cTn id="3" fill="hold">
+                      <p:stCondLst>
+                        <p:cond delay="indefinite"/>
+                        <p:cond evt="onBegin" delay="0">
+                          <p:tn val="2"/>
+                        </p:cond>
+                      </p:stCondLst>
+                      <p:childTnLst>
+                        <p:par>
+                          <p:cTn id="4" fill="hold">
+                            <p:stCondLst>
+                              <p:cond delay="0"/>
+                            </p:stCondLst>
+                            <p:childTnLst>
+                              <p:par>
+                                <p:cTn id="5" presetID="10" presetClass="entr" presetSubtype="0" fill="hold" grpId="0" nodeType="afterEffect">
+                                  <p:stCondLst>
+                                    <p:cond delay="0"/>
+                                  </p:stCondLst>
+                                  <p:childTnLst>
+                                    <p:set>
+                                      <p:cBhvr>
+                                        <p:cTn id="6" dur="1" fill="hold">
+                                          <p:stCondLst>
+                                            <p:cond delay="0"/>
+                                          </p:stCondLst>
+                                        </p:cTn>
+                                        <p:tgtEl>
+                                          <p:spTgt spid="2"/>
+                                        </p:tgtEl>
+                                        <p:attrNameLst>
+                                          <p:attrName>style.visibility</p:attrName>
+                                        </p:attrNameLst>
+                                      </p:cBhvr>
+                                      <p:to>
+                                        <p:strVal val="visible"/>
+                                      </p:to>
+                                    </p:set>
+                                    <p:animEffect transition="in" filter="fade">
+                                      <p:cBhvr>
+                                        <p:cTn id="7" dur="1000"/>
+                                        <p:tgtEl>
+                                          <p:spTgt spid="2"/>
+                                        </p:tgtEl>
+                                      </p:cBhvr>
+                                    </p:animEffect>
+                                  </p:childTnLst>
+                                </p:cTn>
+                              </p:par>
+                              <p:par>
+                                <p:cTn id="8" presetID="10" presetClass="entr" presetSubtype="0" fill="hold" nodeType="withEffect">
+                                  <p:stCondLst>
+                                    <p:cond delay="0"/>
+                                  </p:stCondLst>
+                                  <p:childTnLst>
+                                    <p:set>
+                                      <p:cBhvr>
+                                        <p:cTn id="9" dur="1" fill="hold">
+                                          <p:stCondLst>
+                                            <p:cond delay="0"/>
+                                          </p:stCondLst>
+                                        </p:cTn>
+                                        <p:tgtEl>
+                                          <p:spTgt spid="5"/>
+                                        </p:tgtEl>
+                                        <p:attrNameLst>
+                                          <p:attrName>style.visibility</p:attrName>
+                                        </p:attrNameLst>
+                                      </p:cBhvr>
+                                      <p:to>
+                                        <p:strVal val="visible"/>
+                                      </p:to>
+                                    </p:set>
+                                    <p:animEffect transition="in" filter="fade">
+                                      <p:cBhvr>
+                                        <p:cTn id="10" dur="500"/>
+                                        <p:tgtEl>
+                                          <p:spTgt spid="5"/>
+                                        </p:tgtEl>
+                                      </p:cBhvr>
+                                    </p:animEffect>
+                                  </p:childTnLst>
+                                </p:cTn>
+                              </p:par>
+                            </p:childTnLst>
+                          </p:cTn>
+                        </p:par>
+                      </p:childTnLst>
+                    </p:cTn>
+                  </p:par>
+                </p:childTnLst>
+              </p:cTn>
+              <p:prevCondLst>
+                <p:cond evt="onPrev" delay="0">
+                  <p:tgtEl>
+                    <p:sldTgt/>
+                  </p:tgtEl>
+                </p:cond>
+              </p:prevCondLst>
+              <p:nextCondLst>
+                <p:cond evt="onNext" delay="0">
+                  <p:tgtEl>
+                    <p:sldTgt/>
+                  </p:tgtEl>
+                </p:cond>
+              </p:nextCondLst>
+            </p:seq>
+          </p:childTnLst>
+        </p:cTn>
+      </p:par>
+    </p:tnLst>
+    <p:bldLst>
+      <p:bldP spid="2" grpId="0"/>
+    </p:bldLst>
+  </p:timing>
+</p:sld>
+</file>
+
+<file path=ppt/slides/slide9.xml><?xml version="1.0" encoding="utf-8"?>
+<p:sld xmlns:a="http://schemas.openxmlformats.org/drawingml/2006/main" xmlns:r="http://schemas.openxmlformats.org/officeDocument/2006/relationships" xmlns:p="http://schemas.openxmlformats.org/presentationml/2006/main">
+  <p:cSld>
+    <p:spTree>
+      <p:nvGrpSpPr>
+        <p:cNvPr id="1" name=""/>
+        <p:cNvGrpSpPr/>
+        <p:nvPr/>
+      </p:nvGrpSpPr>
+      <p:grpSpPr>
+        <a:xfrm>
+          <a:off x="0" y="0"/>
+          <a:ext cx="0" cy="0"/>
+          <a:chOff x="0" y="0"/>
+          <a:chExt cx="0" cy="0"/>
+        </a:xfrm>
+      </p:grpSpPr>
+      <p:sp>
+        <p:nvSpPr>
+          <p:cNvPr id="4" name="Прямоугольник 3">
+            <a:extLst>
+              <a:ext uri="{FF2B5EF4-FFF2-40B4-BE49-F238E27FC236}">
+                <a16:creationId xmlns:a16="http://schemas.microsoft.com/office/drawing/2014/main" id="{D744DC60-29D7-4107-BF24-9CA85085F51D}"/>
+              </a:ext>
+            </a:extLst>
+          </p:cNvPr>
+          <p:cNvSpPr/>
+          <p:nvPr/>
+        </p:nvSpPr>
+        <p:spPr>
+          <a:xfrm>
+            <a:off x="226503" y="192947"/>
+            <a:ext cx="3199915" cy="646331"/>
+          </a:xfrm>
+          <a:prstGeom prst="rect">
+            <a:avLst/>
+          </a:prstGeom>
+        </p:spPr>
+        <p:txBody>
+          <a:bodyPr wrap="none">
+            <a:spAutoFit/>
+          </a:bodyPr>
+          <a:lstStyle/>
+          <a:p>
+            <a:r>
+              <a:rPr lang="ru-RU" sz="3600" b="1" dirty="0">
+                <a:solidFill>
+                  <a:schemeClr val="tx1">
+                    <a:lumMod val="50000"/>
+                    <a:lumOff val="50000"/>
+                  </a:schemeClr>
+                </a:solidFill>
+                <a:latin typeface="Montserrat" panose="00000500000000000000" pitchFamily="2" charset="-52"/>
+              </a:rPr>
+              <a:t>Наше решение</a:t>
+            </a:r>
+          </a:p>
+        </p:txBody>
+      </p:sp>
+      <p:sp>
+        <p:nvSpPr>
+          <p:cNvPr id="2" name="TextBox 1">
+            <a:extLst>
+              <a:ext uri="{FF2B5EF4-FFF2-40B4-BE49-F238E27FC236}">
+                <a16:creationId xmlns:a16="http://schemas.microsoft.com/office/drawing/2014/main" id="{0103A899-6D10-49E9-8A51-97CA9380A77D}"/>
+              </a:ext>
+            </a:extLst>
+          </p:cNvPr>
+          <p:cNvSpPr txBox="1"/>
+          <p:nvPr/>
+        </p:nvSpPr>
+        <p:spPr>
+          <a:xfrm>
+            <a:off x="791029" y="1757260"/>
+            <a:ext cx="5304971" cy="3257174"/>
+          </a:xfrm>
+          <a:prstGeom prst="rect">
+            <a:avLst/>
+          </a:prstGeom>
+          <a:noFill/>
+        </p:spPr>
+        <p:txBody>
+          <a:bodyPr wrap="square" rtlCol="0">
+            <a:spAutoFit/>
+          </a:bodyPr>
+          <a:lstStyle/>
+          <a:p>
+            <a:pPr>
+              <a:lnSpc>
+                <a:spcPct val="150000"/>
+              </a:lnSpc>
+            </a:pPr>
+            <a:r>
+              <a:rPr lang="ru-RU" sz="2800" dirty="0">
+                <a:latin typeface="Montserrat" panose="00000500000000000000" pitchFamily="2" charset="-52"/>
+              </a:rPr>
+              <a:t>Приятным бонусом стало наше </a:t>
+            </a:r>
+            <a:r>
+              <a:rPr lang="ru-RU" sz="2800" dirty="0" err="1">
+                <a:latin typeface="Montserrat" panose="00000500000000000000" pitchFamily="2" charset="-52"/>
+              </a:rPr>
+              <a:t>Android</a:t>
+            </a:r>
+            <a:r>
+              <a:rPr lang="ru-RU" sz="2800" dirty="0">
+                <a:latin typeface="Montserrat" panose="00000500000000000000" pitchFamily="2" charset="-52"/>
+              </a:rPr>
+              <a:t> приложение с личным кабинетом, расписанием и возможностью отправить фидбек используя приложения.</a:t>
+            </a:r>
+          </a:p>
+        </p:txBody>
+      </p:sp>
+      <p:pic>
+        <p:nvPicPr>
+          <p:cNvPr id="5" name="Рисунок 4">
+            <a:extLst>
+              <a:ext uri="{FF2B5EF4-FFF2-40B4-BE49-F238E27FC236}">
+                <a16:creationId xmlns:a16="http://schemas.microsoft.com/office/drawing/2014/main" id="{5E5DA5FB-C3DC-4DAF-99EF-D5597C8A1597}"/>
+              </a:ext>
+            </a:extLst>
+          </p:cNvPr>
+          <p:cNvPicPr>
+            <a:picLocks noChangeAspect="1"/>
+          </p:cNvPicPr>
+          <p:nvPr/>
+        </p:nvPicPr>
+        <p:blipFill>
+          <a:blip r:embed="rId2"/>
+          <a:stretch>
+            <a:fillRect/>
+          </a:stretch>
+        </p:blipFill>
+        <p:spPr>
+          <a:xfrm>
+            <a:off x="7971971" y="0"/>
+            <a:ext cx="3429000" cy="6858000"/>
+          </a:xfrm>
+          <a:prstGeom prst="rect">
+            <a:avLst/>
+          </a:prstGeom>
+        </p:spPr>
+      </p:pic>
+    </p:spTree>
+    <p:extLst>
+      <p:ext uri="{BB962C8B-B14F-4D97-AF65-F5344CB8AC3E}">
+        <p14:creationId xmlns:p14="http://schemas.microsoft.com/office/powerpoint/2010/main" val="2124366008"/>
+      </p:ext>
+    </p:extLst>
+  </p:cSld>
+  <p:clrMapOvr>
+    <a:masterClrMapping/>
+  </p:clrMapOvr>
+  <p:timing>
+    <p:tnLst>
+      <p:par>
+        <p:cTn id="1" dur="indefinite" restart="never" nodeType="tmRoot">
+          <p:childTnLst>
+            <p:seq concurrent="1" nextAc="seek">
+              <p:cTn id="2" dur="indefinite" nodeType="mainSeq">
+                <p:childTnLst>
+                  <p:par>
+                    <p:cTn id="3" fill="hold">
+                      <p:stCondLst>
+                        <p:cond delay="indefinite"/>
+                        <p:cond evt="onBegin" delay="0">
+                          <p:tn val="2"/>
+                        </p:cond>
+                      </p:stCondLst>
+                      <p:childTnLst>
+                        <p:par>
+                          <p:cTn id="4" fill="hold">
+                            <p:stCondLst>
+                              <p:cond delay="0"/>
+                            </p:stCondLst>
+                            <p:childTnLst>
+                              <p:par>
+                                <p:cTn id="5" presetID="10" presetClass="entr" presetSubtype="0" fill="hold" nodeType="withEffect">
+                                  <p:stCondLst>
+                                    <p:cond delay="0"/>
+                                  </p:stCondLst>
+                                  <p:childTnLst>
+                                    <p:set>
+                                      <p:cBhvr>
+                                        <p:cTn id="6" dur="1" fill="hold">
+                                          <p:stCondLst>
+                                            <p:cond delay="0"/>
+                                          </p:stCondLst>
+                                        </p:cTn>
+                                        <p:tgtEl>
+                                          <p:spTgt spid="5"/>
+                                        </p:tgtEl>
+                                        <p:attrNameLst>
+                                          <p:attrName>style.visibility</p:attrName>
+                                        </p:attrNameLst>
+                                      </p:cBhvr>
+                                      <p:to>
+                                        <p:strVal val="visible"/>
+                                      </p:to>
+                                    </p:set>
+                                    <p:animEffect transition="in" filter="fade">
+                                      <p:cBhvr>
+                                        <p:cTn id="7" dur="500"/>
+                                        <p:tgtEl>
+                                          <p:spTgt spid="5"/>
+                                        </p:tgtEl>
+                                      </p:cBhvr>
+                                    </p:animEffect>
+                                  </p:childTnLst>
+                                </p:cTn>
+                              </p:par>
+                            </p:childTnLst>
+                          </p:cTn>
+                        </p:par>
+                      </p:childTnLst>
+                    </p:cTn>
+                  </p:par>
+                </p:childTnLst>
+              </p:cTn>
+              <p:prevCondLst>
+                <p:cond evt="onPrev" delay="0">
+                  <p:tgtEl>
+                    <p:sldTgt/>
+                  </p:tgtEl>
+                </p:cond>
+              </p:prevCondLst>
+              <p:nextCondLst>
+                <p:cond evt="onNext" delay="0">
+                  <p:tgtEl>
+                    <p:sldTgt/>
+                  </p:tgtEl>
+                </p:cond>
+              </p:nextCondLst>
+            </p:seq>
+          </p:childTnLst>
+        </p:cTn>
+      </p:par>
+    </p:tnLst>
+  </p:timing>
 </p:sld>
 </file>
 

--- a/praesentatio/HYDRA.pptx
+++ b/praesentatio/HYDRA.pptx
@@ -4644,6 +4644,35 @@
           </a:p>
         </p:txBody>
       </p:sp>
+      <p:pic>
+        <p:nvPicPr>
+          <p:cNvPr id="3" name="Рисунок 2">
+            <a:extLst>
+              <a:ext uri="{FF2B5EF4-FFF2-40B4-BE49-F238E27FC236}">
+                <a16:creationId xmlns:a16="http://schemas.microsoft.com/office/drawing/2014/main" id="{E73B32FA-05EB-4B47-8D29-8CA0A5D347AD}"/>
+              </a:ext>
+            </a:extLst>
+          </p:cNvPr>
+          <p:cNvPicPr>
+            <a:picLocks noChangeAspect="1"/>
+          </p:cNvPicPr>
+          <p:nvPr/>
+        </p:nvPicPr>
+        <p:blipFill rotWithShape="1">
+          <a:blip r:embed="rId2"/>
+          <a:srcRect l="15207" r="44747"/>
+          <a:stretch/>
+        </p:blipFill>
+        <p:spPr>
+          <a:xfrm>
+            <a:off x="6518578" y="461350"/>
+            <a:ext cx="4882393" cy="5943600"/>
+          </a:xfrm>
+          <a:prstGeom prst="rect">
+            <a:avLst/>
+          </a:prstGeom>
+        </p:spPr>
+      </p:pic>
     </p:spTree>
     <p:extLst>
       <p:ext uri="{BB962C8B-B14F-4D97-AF65-F5344CB8AC3E}">
@@ -4847,6 +4876,35 @@
           </a:p>
         </p:txBody>
       </p:sp>
+      <p:pic>
+        <p:nvPicPr>
+          <p:cNvPr id="3" name="Рисунок 2">
+            <a:extLst>
+              <a:ext uri="{FF2B5EF4-FFF2-40B4-BE49-F238E27FC236}">
+                <a16:creationId xmlns:a16="http://schemas.microsoft.com/office/drawing/2014/main" id="{4ED0D879-1835-47DE-9C1A-AF2E3957341C}"/>
+              </a:ext>
+            </a:extLst>
+          </p:cNvPr>
+          <p:cNvPicPr>
+            <a:picLocks noChangeAspect="1"/>
+          </p:cNvPicPr>
+          <p:nvPr/>
+        </p:nvPicPr>
+        <p:blipFill rotWithShape="1">
+          <a:blip r:embed="rId2"/>
+          <a:srcRect l="14587" r="46262"/>
+          <a:stretch/>
+        </p:blipFill>
+        <p:spPr>
+          <a:xfrm>
+            <a:off x="6627635" y="457200"/>
+            <a:ext cx="4773336" cy="5943600"/>
+          </a:xfrm>
+          <a:prstGeom prst="rect">
+            <a:avLst/>
+          </a:prstGeom>
+        </p:spPr>
+      </p:pic>
     </p:spTree>
     <p:extLst>
       <p:ext uri="{BB962C8B-B14F-4D97-AF65-F5344CB8AC3E}">
@@ -5050,6 +5108,60 @@
           </a:p>
         </p:txBody>
       </p:sp>
+      <p:pic>
+        <p:nvPicPr>
+          <p:cNvPr id="1026" name="Picture 2">
+            <a:extLst>
+              <a:ext uri="{FF2B5EF4-FFF2-40B4-BE49-F238E27FC236}">
+                <a16:creationId xmlns:a16="http://schemas.microsoft.com/office/drawing/2014/main" id="{DEDBAB2B-8ED4-4487-BEE5-DC847F3C779D}"/>
+              </a:ext>
+            </a:extLst>
+          </p:cNvPr>
+          <p:cNvPicPr>
+            <a:picLocks noChangeAspect="1" noChangeArrowheads="1"/>
+          </p:cNvPicPr>
+          <p:nvPr/>
+        </p:nvPicPr>
+        <p:blipFill rotWithShape="1">
+          <a:blip r:embed="rId2">
+            <a:extLst>
+              <a:ext uri="{BEBA8EAE-BF5A-486C-A8C5-ECC9F3942E4B}">
+                <a14:imgProps xmlns:a14="http://schemas.microsoft.com/office/drawing/2010/main">
+                  <a14:imgLayer r:embed="rId3">
+                    <a14:imgEffect>
+                      <a14:saturation sat="0"/>
+                    </a14:imgEffect>
+                  </a14:imgLayer>
+                </a14:imgProps>
+              </a:ext>
+              <a:ext uri="{28A0092B-C50C-407E-A947-70E740481C1C}">
+                <a14:useLocalDpi xmlns:a14="http://schemas.microsoft.com/office/drawing/2010/main" val="0"/>
+              </a:ext>
+            </a:extLst>
+          </a:blip>
+          <a:srcRect l="21240" r="22409"/>
+          <a:stretch/>
+        </p:blipFill>
+        <p:spPr bwMode="auto">
+          <a:xfrm>
+            <a:off x="6395207" y="0"/>
+            <a:ext cx="5796793" cy="6858000"/>
+          </a:xfrm>
+          <a:prstGeom prst="rect">
+            <a:avLst/>
+          </a:prstGeom>
+          <a:noFill/>
+          <a:extLst>
+            <a:ext uri="{909E8E84-426E-40DD-AFC4-6F175D3DCCD1}">
+              <a14:hiddenFill xmlns:a14="http://schemas.microsoft.com/office/drawing/2010/main">
+                <a:solidFill>
+                  <a:srgbClr val="FFFFFF"/>
+                </a:solidFill>
+              </a14:hiddenFill>
+            </a:ext>
+          </a:extLst>
+        </p:spPr>
+      </p:pic>
     </p:spTree>
     <p:extLst>
       <p:ext uri="{BB962C8B-B14F-4D97-AF65-F5344CB8AC3E}">
@@ -5265,6 +5377,51 @@
           </a:p>
         </p:txBody>
       </p:sp>
+      <p:pic>
+        <p:nvPicPr>
+          <p:cNvPr id="2050" name="Picture 2">
+            <a:extLst>
+              <a:ext uri="{FF2B5EF4-FFF2-40B4-BE49-F238E27FC236}">
+                <a16:creationId xmlns:a16="http://schemas.microsoft.com/office/drawing/2014/main" id="{6E183B7D-6336-40C5-9E1D-60899E2C6011}"/>
+              </a:ext>
+            </a:extLst>
+          </p:cNvPr>
+          <p:cNvPicPr>
+            <a:picLocks noChangeAspect="1" noChangeArrowheads="1"/>
+          </p:cNvPicPr>
+          <p:nvPr/>
+        </p:nvPicPr>
+        <p:blipFill rotWithShape="1">
+          <a:blip r:embed="rId2">
+            <a:extLst>
+              <a:ext uri="{28A0092B-C50C-407E-A947-70E740481C1C}">
+                <a14:useLocalDpi xmlns:a14="http://schemas.microsoft.com/office/drawing/2010/main" val="0"/>
+              </a:ext>
+            </a:extLst>
+          </a:blip>
+          <a:srcRect l="16606" r="49225"/>
+          <a:stretch/>
+        </p:blipFill>
+        <p:spPr bwMode="auto">
+          <a:xfrm>
+            <a:off x="9848675" y="109057"/>
+            <a:ext cx="2343325" cy="6858000"/>
+          </a:xfrm>
+          <a:prstGeom prst="rect">
+            <a:avLst/>
+          </a:prstGeom>
+          <a:noFill/>
+          <a:extLst>
+            <a:ext uri="{909E8E84-426E-40DD-AFC4-6F175D3DCCD1}">
+              <a14:hiddenFill xmlns:a14="http://schemas.microsoft.com/office/drawing/2010/main">
+                <a:solidFill>
+                  <a:srgbClr val="FFFFFF"/>
+                </a:solidFill>
+              </a14:hiddenFill>
+            </a:ext>
+          </a:extLst>
+        </p:spPr>
+      </p:pic>
     </p:spTree>
     <p:extLst>
       <p:ext uri="{BB962C8B-B14F-4D97-AF65-F5344CB8AC3E}">
